--- a/My Note and Practice/Text to Numerical Data Conversion/Categorical(Text to Numeric) data conversion-CTtN/Nominal Data/CTNtN2. Binary Encoding/Binary Encoding.pptx
+++ b/My Note and Practice/Text to Numerical Data Conversion/Categorical(Text to Numeric) data conversion-CTtN/Nominal Data/CTNtN2. Binary Encoding/Binary Encoding.pptx
@@ -6,6 +6,17 @@
   </p:sldMasterIdLst>
   <p:sldIdLst>
     <p:sldId id="309" r:id="rId2"/>
+    <p:sldId id="310" r:id="rId3"/>
+    <p:sldId id="311" r:id="rId4"/>
+    <p:sldId id="312" r:id="rId5"/>
+    <p:sldId id="313" r:id="rId6"/>
+    <p:sldId id="314" r:id="rId7"/>
+    <p:sldId id="315" r:id="rId8"/>
+    <p:sldId id="316" r:id="rId9"/>
+    <p:sldId id="317" r:id="rId10"/>
+    <p:sldId id="318" r:id="rId11"/>
+    <p:sldId id="319" r:id="rId12"/>
+    <p:sldId id="320" r:id="rId13"/>
   </p:sldIdLst>
   <p:sldSz cx="12192000" cy="6858000"/>
   <p:notesSz cx="6858000" cy="9144000"/>
@@ -104,6 +115,11 @@
       </a:defRPr>
     </a:lvl9pPr>
   </p:defaultTextStyle>
+  <p:extLst>
+    <p:ext uri="{EFAFB233-063F-42B5-8137-9DF3F51BA10A}">
+      <p15:sldGuideLst xmlns:p15="http://schemas.microsoft.com/office/powerpoint/2012/main"/>
+    </p:ext>
+  </p:extLst>
 </p:presentation>
 </file>
 
@@ -3398,6 +3414,140 @@
               <a:buNone/>
             </a:pPr>
             <a:r>
+              <a:rPr lang="en-US" sz="2400"/>
+              <a:t>Binary Encoding converts each category into a </a:t>
+            </a:r>
+            <a:r>
+              <a:rPr lang="en-US" sz="2400" b="1"/>
+              <a:t>numeric code</a:t>
+            </a:r>
+            <a:r>
+              <a:rPr lang="en-US" sz="2400"/>
+              <a:t>, then represents that number in </a:t>
+            </a:r>
+            <a:r>
+              <a:rPr lang="en-US" sz="2400" b="1"/>
+              <a:t>binary form</a:t>
+            </a:r>
+            <a:r>
+              <a:rPr lang="en-US" sz="2400"/>
+              <a:t>.</a:t>
+            </a:r>
+            <a:endParaRPr lang="en-US" sz="2400" dirty="0">
+              <a:latin typeface="Open Sans" pitchFamily="2" charset="0"/>
+              <a:ea typeface="Open Sans" pitchFamily="2" charset="0"/>
+              <a:cs typeface="Open Sans" pitchFamily="2" charset="0"/>
+            </a:endParaRPr>
+          </a:p>
+        </p:txBody>
+      </p:sp>
+    </p:spTree>
+    <p:extLst>
+      <p:ext uri="{BB962C8B-B14F-4D97-AF65-F5344CB8AC3E}">
+        <p14:creationId xmlns:p14="http://schemas.microsoft.com/office/powerpoint/2010/main" val="1846840860"/>
+      </p:ext>
+    </p:extLst>
+  </p:cSld>
+  <p:clrMapOvr>
+    <a:masterClrMapping/>
+  </p:clrMapOvr>
+</p:sld>
+</file>
+
+<file path=ppt/slides/slide10.xml><?xml version="1.0" encoding="utf-8"?>
+<p:sld xmlns:a="http://schemas.openxmlformats.org/drawingml/2006/main" xmlns:r="http://schemas.openxmlformats.org/officeDocument/2006/relationships" xmlns:p="http://schemas.openxmlformats.org/presentationml/2006/main">
+  <p:cSld>
+    <p:spTree>
+      <p:nvGrpSpPr>
+        <p:cNvPr id="1" name="">
+          <a:extLst>
+            <a:ext uri="{FF2B5EF4-FFF2-40B4-BE49-F238E27FC236}">
+              <a16:creationId xmlns:a16="http://schemas.microsoft.com/office/drawing/2014/main" id="{4F483B09-7FEC-1E82-8890-9213D1B3A624}"/>
+            </a:ext>
+          </a:extLst>
+        </p:cNvPr>
+        <p:cNvGrpSpPr/>
+        <p:nvPr/>
+      </p:nvGrpSpPr>
+      <p:grpSpPr>
+        <a:xfrm>
+          <a:off x="0" y="0"/>
+          <a:ext cx="0" cy="0"/>
+          <a:chOff x="0" y="0"/>
+          <a:chExt cx="0" cy="0"/>
+        </a:xfrm>
+      </p:grpSpPr>
+      <p:sp>
+        <p:nvSpPr>
+          <p:cNvPr id="2" name="Title 1">
+            <a:extLst>
+              <a:ext uri="{FF2B5EF4-FFF2-40B4-BE49-F238E27FC236}">
+                <a16:creationId xmlns:a16="http://schemas.microsoft.com/office/drawing/2014/main" id="{396171F7-17E3-63E9-7D90-93B363691235}"/>
+              </a:ext>
+            </a:extLst>
+          </p:cNvPr>
+          <p:cNvSpPr>
+            <a:spLocks noGrp="1"/>
+          </p:cNvSpPr>
+          <p:nvPr>
+            <p:ph type="title"/>
+          </p:nvPr>
+        </p:nvSpPr>
+        <p:spPr>
+          <a:xfrm>
+            <a:off x="838200" y="365125"/>
+            <a:ext cx="10515600" cy="640080"/>
+          </a:xfrm>
+        </p:spPr>
+        <p:txBody>
+          <a:bodyPr>
+            <a:normAutofit/>
+          </a:bodyPr>
+          <a:lstStyle/>
+          <a:p>
+            <a:pPr algn="ctr"/>
+            <a:r>
+              <a:rPr lang="en-US" sz="3600" dirty="0">
+                <a:latin typeface="Bebas Neue" panose="020B0606020202050201" pitchFamily="34" charset="0"/>
+              </a:rPr>
+              <a:t>Binary encoding</a:t>
+            </a:r>
+            <a:endParaRPr lang="en-US" sz="3600" dirty="0"/>
+          </a:p>
+        </p:txBody>
+      </p:sp>
+      <p:sp>
+        <p:nvSpPr>
+          <p:cNvPr id="3" name="Content Placeholder 2">
+            <a:extLst>
+              <a:ext uri="{FF2B5EF4-FFF2-40B4-BE49-F238E27FC236}">
+                <a16:creationId xmlns:a16="http://schemas.microsoft.com/office/drawing/2014/main" id="{7E682DA3-D4A8-7E29-116E-D98B509CCE97}"/>
+              </a:ext>
+            </a:extLst>
+          </p:cNvPr>
+          <p:cNvSpPr>
+            <a:spLocks noGrp="1"/>
+          </p:cNvSpPr>
+          <p:nvPr>
+            <p:ph idx="1"/>
+          </p:nvPr>
+        </p:nvSpPr>
+        <p:spPr>
+          <a:xfrm>
+            <a:off x="838200" y="1091381"/>
+            <a:ext cx="10515600" cy="5085582"/>
+          </a:xfrm>
+        </p:spPr>
+        <p:txBody>
+          <a:bodyPr>
+            <a:normAutofit/>
+          </a:bodyPr>
+          <a:lstStyle/>
+          <a:p>
+            <a:pPr marL="0" indent="0" algn="just">
+              <a:buNone/>
+            </a:pPr>
+            <a:r>
               <a:rPr lang="en-US" sz="2400" dirty="0">
                 <a:latin typeface="Open Sans" pitchFamily="2" charset="0"/>
                 <a:ea typeface="Open Sans" pitchFamily="2" charset="0"/>
@@ -3411,7 +3561,1177 @@
     </p:spTree>
     <p:extLst>
       <p:ext uri="{BB962C8B-B14F-4D97-AF65-F5344CB8AC3E}">
-        <p14:creationId xmlns:p14="http://schemas.microsoft.com/office/powerpoint/2010/main" val="1846840860"/>
+        <p14:creationId xmlns:p14="http://schemas.microsoft.com/office/powerpoint/2010/main" val="2657267284"/>
+      </p:ext>
+    </p:extLst>
+  </p:cSld>
+  <p:clrMapOvr>
+    <a:masterClrMapping/>
+  </p:clrMapOvr>
+</p:sld>
+</file>
+
+<file path=ppt/slides/slide11.xml><?xml version="1.0" encoding="utf-8"?>
+<p:sld xmlns:a="http://schemas.openxmlformats.org/drawingml/2006/main" xmlns:r="http://schemas.openxmlformats.org/officeDocument/2006/relationships" xmlns:p="http://schemas.openxmlformats.org/presentationml/2006/main">
+  <p:cSld>
+    <p:spTree>
+      <p:nvGrpSpPr>
+        <p:cNvPr id="1" name="">
+          <a:extLst>
+            <a:ext uri="{FF2B5EF4-FFF2-40B4-BE49-F238E27FC236}">
+              <a16:creationId xmlns:a16="http://schemas.microsoft.com/office/drawing/2014/main" id="{CE3A22A7-D45B-B724-56C1-E32B783D4B34}"/>
+            </a:ext>
+          </a:extLst>
+        </p:cNvPr>
+        <p:cNvGrpSpPr/>
+        <p:nvPr/>
+      </p:nvGrpSpPr>
+      <p:grpSpPr>
+        <a:xfrm>
+          <a:off x="0" y="0"/>
+          <a:ext cx="0" cy="0"/>
+          <a:chOff x="0" y="0"/>
+          <a:chExt cx="0" cy="0"/>
+        </a:xfrm>
+      </p:grpSpPr>
+      <p:sp>
+        <p:nvSpPr>
+          <p:cNvPr id="2" name="Title 1">
+            <a:extLst>
+              <a:ext uri="{FF2B5EF4-FFF2-40B4-BE49-F238E27FC236}">
+                <a16:creationId xmlns:a16="http://schemas.microsoft.com/office/drawing/2014/main" id="{57F7317E-514C-F8CE-5188-51BAA5DA92FA}"/>
+              </a:ext>
+            </a:extLst>
+          </p:cNvPr>
+          <p:cNvSpPr>
+            <a:spLocks noGrp="1"/>
+          </p:cNvSpPr>
+          <p:nvPr>
+            <p:ph type="title"/>
+          </p:nvPr>
+        </p:nvSpPr>
+        <p:spPr>
+          <a:xfrm>
+            <a:off x="838200" y="365125"/>
+            <a:ext cx="10515600" cy="640080"/>
+          </a:xfrm>
+        </p:spPr>
+        <p:txBody>
+          <a:bodyPr>
+            <a:normAutofit/>
+          </a:bodyPr>
+          <a:lstStyle/>
+          <a:p>
+            <a:pPr algn="ctr"/>
+            <a:r>
+              <a:rPr lang="en-US" sz="3600" dirty="0">
+                <a:latin typeface="Bebas Neue" panose="020B0606020202050201" pitchFamily="34" charset="0"/>
+              </a:rPr>
+              <a:t>Binary encoding</a:t>
+            </a:r>
+            <a:endParaRPr lang="en-US" sz="3600" dirty="0"/>
+          </a:p>
+        </p:txBody>
+      </p:sp>
+      <p:sp>
+        <p:nvSpPr>
+          <p:cNvPr id="3" name="Content Placeholder 2">
+            <a:extLst>
+              <a:ext uri="{FF2B5EF4-FFF2-40B4-BE49-F238E27FC236}">
+                <a16:creationId xmlns:a16="http://schemas.microsoft.com/office/drawing/2014/main" id="{A79F9749-FDFE-0F8F-9C1E-5325D45A5689}"/>
+              </a:ext>
+            </a:extLst>
+          </p:cNvPr>
+          <p:cNvSpPr>
+            <a:spLocks noGrp="1"/>
+          </p:cNvSpPr>
+          <p:nvPr>
+            <p:ph idx="1"/>
+          </p:nvPr>
+        </p:nvSpPr>
+        <p:spPr>
+          <a:xfrm>
+            <a:off x="838200" y="1091381"/>
+            <a:ext cx="10515600" cy="5085582"/>
+          </a:xfrm>
+        </p:spPr>
+        <p:txBody>
+          <a:bodyPr>
+            <a:normAutofit/>
+          </a:bodyPr>
+          <a:lstStyle/>
+          <a:p>
+            <a:pPr marL="0" indent="0" algn="just">
+              <a:buNone/>
+            </a:pPr>
+            <a:r>
+              <a:rPr lang="en-US" sz="2400" dirty="0">
+                <a:latin typeface="Open Sans" pitchFamily="2" charset="0"/>
+                <a:ea typeface="Open Sans" pitchFamily="2" charset="0"/>
+                <a:cs typeface="Open Sans" pitchFamily="2" charset="0"/>
+              </a:rPr>
+              <a:t>H</a:t>
+            </a:r>
+          </a:p>
+        </p:txBody>
+      </p:sp>
+    </p:spTree>
+    <p:extLst>
+      <p:ext uri="{BB962C8B-B14F-4D97-AF65-F5344CB8AC3E}">
+        <p14:creationId xmlns:p14="http://schemas.microsoft.com/office/powerpoint/2010/main" val="1838979385"/>
+      </p:ext>
+    </p:extLst>
+  </p:cSld>
+  <p:clrMapOvr>
+    <a:masterClrMapping/>
+  </p:clrMapOvr>
+</p:sld>
+</file>
+
+<file path=ppt/slides/slide12.xml><?xml version="1.0" encoding="utf-8"?>
+<p:sld xmlns:a="http://schemas.openxmlformats.org/drawingml/2006/main" xmlns:r="http://schemas.openxmlformats.org/officeDocument/2006/relationships" xmlns:p="http://schemas.openxmlformats.org/presentationml/2006/main">
+  <p:cSld>
+    <p:spTree>
+      <p:nvGrpSpPr>
+        <p:cNvPr id="1" name="">
+          <a:extLst>
+            <a:ext uri="{FF2B5EF4-FFF2-40B4-BE49-F238E27FC236}">
+              <a16:creationId xmlns:a16="http://schemas.microsoft.com/office/drawing/2014/main" id="{7ABE665F-ED66-FDEB-D75C-B66D251D6EE3}"/>
+            </a:ext>
+          </a:extLst>
+        </p:cNvPr>
+        <p:cNvGrpSpPr/>
+        <p:nvPr/>
+      </p:nvGrpSpPr>
+      <p:grpSpPr>
+        <a:xfrm>
+          <a:off x="0" y="0"/>
+          <a:ext cx="0" cy="0"/>
+          <a:chOff x="0" y="0"/>
+          <a:chExt cx="0" cy="0"/>
+        </a:xfrm>
+      </p:grpSpPr>
+      <p:sp>
+        <p:nvSpPr>
+          <p:cNvPr id="2" name="Title 1">
+            <a:extLst>
+              <a:ext uri="{FF2B5EF4-FFF2-40B4-BE49-F238E27FC236}">
+                <a16:creationId xmlns:a16="http://schemas.microsoft.com/office/drawing/2014/main" id="{27B4156E-3EB1-F0D2-4AA9-286C801ED19C}"/>
+              </a:ext>
+            </a:extLst>
+          </p:cNvPr>
+          <p:cNvSpPr>
+            <a:spLocks noGrp="1"/>
+          </p:cNvSpPr>
+          <p:nvPr>
+            <p:ph type="title"/>
+          </p:nvPr>
+        </p:nvSpPr>
+        <p:spPr>
+          <a:xfrm>
+            <a:off x="838200" y="365125"/>
+            <a:ext cx="10515600" cy="640080"/>
+          </a:xfrm>
+        </p:spPr>
+        <p:txBody>
+          <a:bodyPr>
+            <a:normAutofit/>
+          </a:bodyPr>
+          <a:lstStyle/>
+          <a:p>
+            <a:pPr algn="ctr"/>
+            <a:r>
+              <a:rPr lang="en-US" sz="3600" dirty="0">
+                <a:latin typeface="Bebas Neue" panose="020B0606020202050201" pitchFamily="34" charset="0"/>
+              </a:rPr>
+              <a:t>Binary encoding</a:t>
+            </a:r>
+            <a:endParaRPr lang="en-US" sz="3600" dirty="0"/>
+          </a:p>
+        </p:txBody>
+      </p:sp>
+      <p:sp>
+        <p:nvSpPr>
+          <p:cNvPr id="3" name="Content Placeholder 2">
+            <a:extLst>
+              <a:ext uri="{FF2B5EF4-FFF2-40B4-BE49-F238E27FC236}">
+                <a16:creationId xmlns:a16="http://schemas.microsoft.com/office/drawing/2014/main" id="{56AE2243-AE28-6521-D31D-1E4F6D659F9B}"/>
+              </a:ext>
+            </a:extLst>
+          </p:cNvPr>
+          <p:cNvSpPr>
+            <a:spLocks noGrp="1"/>
+          </p:cNvSpPr>
+          <p:nvPr>
+            <p:ph idx="1"/>
+          </p:nvPr>
+        </p:nvSpPr>
+        <p:spPr>
+          <a:xfrm>
+            <a:off x="838200" y="1091381"/>
+            <a:ext cx="10515600" cy="5085582"/>
+          </a:xfrm>
+        </p:spPr>
+        <p:txBody>
+          <a:bodyPr>
+            <a:normAutofit/>
+          </a:bodyPr>
+          <a:lstStyle/>
+          <a:p>
+            <a:pPr marL="0" indent="0" algn="just">
+              <a:buNone/>
+            </a:pPr>
+            <a:r>
+              <a:rPr lang="en-US" sz="2400" dirty="0">
+                <a:latin typeface="Open Sans" pitchFamily="2" charset="0"/>
+                <a:ea typeface="Open Sans" pitchFamily="2" charset="0"/>
+                <a:cs typeface="Open Sans" pitchFamily="2" charset="0"/>
+              </a:rPr>
+              <a:t>H</a:t>
+            </a:r>
+          </a:p>
+        </p:txBody>
+      </p:sp>
+    </p:spTree>
+    <p:extLst>
+      <p:ext uri="{BB962C8B-B14F-4D97-AF65-F5344CB8AC3E}">
+        <p14:creationId xmlns:p14="http://schemas.microsoft.com/office/powerpoint/2010/main" val="3638305441"/>
+      </p:ext>
+    </p:extLst>
+  </p:cSld>
+  <p:clrMapOvr>
+    <a:masterClrMapping/>
+  </p:clrMapOvr>
+</p:sld>
+</file>
+
+<file path=ppt/slides/slide2.xml><?xml version="1.0" encoding="utf-8"?>
+<p:sld xmlns:a="http://schemas.openxmlformats.org/drawingml/2006/main" xmlns:r="http://schemas.openxmlformats.org/officeDocument/2006/relationships" xmlns:p="http://schemas.openxmlformats.org/presentationml/2006/main">
+  <p:cSld>
+    <p:spTree>
+      <p:nvGrpSpPr>
+        <p:cNvPr id="1" name="">
+          <a:extLst>
+            <a:ext uri="{FF2B5EF4-FFF2-40B4-BE49-F238E27FC236}">
+              <a16:creationId xmlns:a16="http://schemas.microsoft.com/office/drawing/2014/main" id="{AE4D578B-8E0D-C6FC-754E-8C64A0A80BCB}"/>
+            </a:ext>
+          </a:extLst>
+        </p:cNvPr>
+        <p:cNvGrpSpPr/>
+        <p:nvPr/>
+      </p:nvGrpSpPr>
+      <p:grpSpPr>
+        <a:xfrm>
+          <a:off x="0" y="0"/>
+          <a:ext cx="0" cy="0"/>
+          <a:chOff x="0" y="0"/>
+          <a:chExt cx="0" cy="0"/>
+        </a:xfrm>
+      </p:grpSpPr>
+      <p:sp>
+        <p:nvSpPr>
+          <p:cNvPr id="2" name="Title 1">
+            <a:extLst>
+              <a:ext uri="{FF2B5EF4-FFF2-40B4-BE49-F238E27FC236}">
+                <a16:creationId xmlns:a16="http://schemas.microsoft.com/office/drawing/2014/main" id="{5464859E-5726-DD1B-426C-A82B0ADC3683}"/>
+              </a:ext>
+            </a:extLst>
+          </p:cNvPr>
+          <p:cNvSpPr>
+            <a:spLocks noGrp="1"/>
+          </p:cNvSpPr>
+          <p:nvPr>
+            <p:ph type="title"/>
+          </p:nvPr>
+        </p:nvSpPr>
+        <p:spPr>
+          <a:xfrm>
+            <a:off x="838200" y="365125"/>
+            <a:ext cx="10515600" cy="640080"/>
+          </a:xfrm>
+        </p:spPr>
+        <p:txBody>
+          <a:bodyPr>
+            <a:normAutofit/>
+          </a:bodyPr>
+          <a:lstStyle/>
+          <a:p>
+            <a:pPr algn="ctr"/>
+            <a:r>
+              <a:rPr lang="en-US" sz="3600" dirty="0">
+                <a:latin typeface="Bebas Neue" panose="020B0606020202050201" pitchFamily="34" charset="0"/>
+              </a:rPr>
+              <a:t>Binary encoding</a:t>
+            </a:r>
+            <a:endParaRPr lang="en-US" sz="3600" dirty="0"/>
+          </a:p>
+        </p:txBody>
+      </p:sp>
+      <p:sp>
+        <p:nvSpPr>
+          <p:cNvPr id="3" name="Content Placeholder 2">
+            <a:extLst>
+              <a:ext uri="{FF2B5EF4-FFF2-40B4-BE49-F238E27FC236}">
+                <a16:creationId xmlns:a16="http://schemas.microsoft.com/office/drawing/2014/main" id="{1B7557E5-5FD3-16B5-F99C-3382EDD28C5D}"/>
+              </a:ext>
+            </a:extLst>
+          </p:cNvPr>
+          <p:cNvSpPr>
+            <a:spLocks noGrp="1"/>
+          </p:cNvSpPr>
+          <p:nvPr>
+            <p:ph idx="1"/>
+          </p:nvPr>
+        </p:nvSpPr>
+        <p:spPr>
+          <a:xfrm>
+            <a:off x="838200" y="1091381"/>
+            <a:ext cx="10515600" cy="5085582"/>
+          </a:xfrm>
+        </p:spPr>
+        <p:txBody>
+          <a:bodyPr>
+            <a:normAutofit/>
+          </a:bodyPr>
+          <a:lstStyle/>
+          <a:p>
+            <a:pPr marL="0" indent="0" algn="just">
+              <a:buNone/>
+            </a:pPr>
+            <a:r>
+              <a:rPr lang="en-US" sz="2400" dirty="0">
+                <a:latin typeface="Open Sans" pitchFamily="2" charset="0"/>
+                <a:ea typeface="Open Sans" pitchFamily="2" charset="0"/>
+                <a:cs typeface="Open Sans" pitchFamily="2" charset="0"/>
+              </a:rPr>
+              <a:t>H</a:t>
+            </a:r>
+          </a:p>
+        </p:txBody>
+      </p:sp>
+    </p:spTree>
+    <p:extLst>
+      <p:ext uri="{BB962C8B-B14F-4D97-AF65-F5344CB8AC3E}">
+        <p14:creationId xmlns:p14="http://schemas.microsoft.com/office/powerpoint/2010/main" val="3773786662"/>
+      </p:ext>
+    </p:extLst>
+  </p:cSld>
+  <p:clrMapOvr>
+    <a:masterClrMapping/>
+  </p:clrMapOvr>
+</p:sld>
+</file>
+
+<file path=ppt/slides/slide3.xml><?xml version="1.0" encoding="utf-8"?>
+<p:sld xmlns:a="http://schemas.openxmlformats.org/drawingml/2006/main" xmlns:r="http://schemas.openxmlformats.org/officeDocument/2006/relationships" xmlns:p="http://schemas.openxmlformats.org/presentationml/2006/main">
+  <p:cSld>
+    <p:spTree>
+      <p:nvGrpSpPr>
+        <p:cNvPr id="1" name="">
+          <a:extLst>
+            <a:ext uri="{FF2B5EF4-FFF2-40B4-BE49-F238E27FC236}">
+              <a16:creationId xmlns:a16="http://schemas.microsoft.com/office/drawing/2014/main" id="{FD51F42C-162D-95F6-A37E-4A7B6583AFCA}"/>
+            </a:ext>
+          </a:extLst>
+        </p:cNvPr>
+        <p:cNvGrpSpPr/>
+        <p:nvPr/>
+      </p:nvGrpSpPr>
+      <p:grpSpPr>
+        <a:xfrm>
+          <a:off x="0" y="0"/>
+          <a:ext cx="0" cy="0"/>
+          <a:chOff x="0" y="0"/>
+          <a:chExt cx="0" cy="0"/>
+        </a:xfrm>
+      </p:grpSpPr>
+      <p:sp>
+        <p:nvSpPr>
+          <p:cNvPr id="2" name="Title 1">
+            <a:extLst>
+              <a:ext uri="{FF2B5EF4-FFF2-40B4-BE49-F238E27FC236}">
+                <a16:creationId xmlns:a16="http://schemas.microsoft.com/office/drawing/2014/main" id="{F8AF7EDF-DC80-6100-3AE3-BFCA0F9B7F9C}"/>
+              </a:ext>
+            </a:extLst>
+          </p:cNvPr>
+          <p:cNvSpPr>
+            <a:spLocks noGrp="1"/>
+          </p:cNvSpPr>
+          <p:nvPr>
+            <p:ph type="title"/>
+          </p:nvPr>
+        </p:nvSpPr>
+        <p:spPr>
+          <a:xfrm>
+            <a:off x="838200" y="365125"/>
+            <a:ext cx="10515600" cy="640080"/>
+          </a:xfrm>
+        </p:spPr>
+        <p:txBody>
+          <a:bodyPr>
+            <a:normAutofit/>
+          </a:bodyPr>
+          <a:lstStyle/>
+          <a:p>
+            <a:pPr algn="ctr"/>
+            <a:r>
+              <a:rPr lang="en-US" sz="3600" dirty="0">
+                <a:latin typeface="Bebas Neue" panose="020B0606020202050201" pitchFamily="34" charset="0"/>
+              </a:rPr>
+              <a:t>Binary encoding</a:t>
+            </a:r>
+            <a:endParaRPr lang="en-US" sz="3600" dirty="0"/>
+          </a:p>
+        </p:txBody>
+      </p:sp>
+      <p:sp>
+        <p:nvSpPr>
+          <p:cNvPr id="3" name="Content Placeholder 2">
+            <a:extLst>
+              <a:ext uri="{FF2B5EF4-FFF2-40B4-BE49-F238E27FC236}">
+                <a16:creationId xmlns:a16="http://schemas.microsoft.com/office/drawing/2014/main" id="{BFED45C1-CD21-10D2-BD86-EF2CCC972ECE}"/>
+              </a:ext>
+            </a:extLst>
+          </p:cNvPr>
+          <p:cNvSpPr>
+            <a:spLocks noGrp="1"/>
+          </p:cNvSpPr>
+          <p:nvPr>
+            <p:ph idx="1"/>
+          </p:nvPr>
+        </p:nvSpPr>
+        <p:spPr>
+          <a:xfrm>
+            <a:off x="838200" y="1091381"/>
+            <a:ext cx="10515600" cy="5085582"/>
+          </a:xfrm>
+        </p:spPr>
+        <p:txBody>
+          <a:bodyPr>
+            <a:normAutofit/>
+          </a:bodyPr>
+          <a:lstStyle/>
+          <a:p>
+            <a:pPr marL="0" indent="0" algn="just">
+              <a:buNone/>
+            </a:pPr>
+            <a:r>
+              <a:rPr lang="en-US" sz="2400" dirty="0">
+                <a:latin typeface="Open Sans" pitchFamily="2" charset="0"/>
+                <a:ea typeface="Open Sans" pitchFamily="2" charset="0"/>
+                <a:cs typeface="Open Sans" pitchFamily="2" charset="0"/>
+              </a:rPr>
+              <a:t>H</a:t>
+            </a:r>
+          </a:p>
+        </p:txBody>
+      </p:sp>
+    </p:spTree>
+    <p:extLst>
+      <p:ext uri="{BB962C8B-B14F-4D97-AF65-F5344CB8AC3E}">
+        <p14:creationId xmlns:p14="http://schemas.microsoft.com/office/powerpoint/2010/main" val="1267128099"/>
+      </p:ext>
+    </p:extLst>
+  </p:cSld>
+  <p:clrMapOvr>
+    <a:masterClrMapping/>
+  </p:clrMapOvr>
+</p:sld>
+</file>
+
+<file path=ppt/slides/slide4.xml><?xml version="1.0" encoding="utf-8"?>
+<p:sld xmlns:a="http://schemas.openxmlformats.org/drawingml/2006/main" xmlns:r="http://schemas.openxmlformats.org/officeDocument/2006/relationships" xmlns:p="http://schemas.openxmlformats.org/presentationml/2006/main">
+  <p:cSld>
+    <p:spTree>
+      <p:nvGrpSpPr>
+        <p:cNvPr id="1" name="">
+          <a:extLst>
+            <a:ext uri="{FF2B5EF4-FFF2-40B4-BE49-F238E27FC236}">
+              <a16:creationId xmlns:a16="http://schemas.microsoft.com/office/drawing/2014/main" id="{C266D169-45F4-6C35-CD77-DEACB4105C5C}"/>
+            </a:ext>
+          </a:extLst>
+        </p:cNvPr>
+        <p:cNvGrpSpPr/>
+        <p:nvPr/>
+      </p:nvGrpSpPr>
+      <p:grpSpPr>
+        <a:xfrm>
+          <a:off x="0" y="0"/>
+          <a:ext cx="0" cy="0"/>
+          <a:chOff x="0" y="0"/>
+          <a:chExt cx="0" cy="0"/>
+        </a:xfrm>
+      </p:grpSpPr>
+      <p:sp>
+        <p:nvSpPr>
+          <p:cNvPr id="2" name="Title 1">
+            <a:extLst>
+              <a:ext uri="{FF2B5EF4-FFF2-40B4-BE49-F238E27FC236}">
+                <a16:creationId xmlns:a16="http://schemas.microsoft.com/office/drawing/2014/main" id="{01C2F67A-B126-53D3-D762-42B3A4748AD9}"/>
+              </a:ext>
+            </a:extLst>
+          </p:cNvPr>
+          <p:cNvSpPr>
+            <a:spLocks noGrp="1"/>
+          </p:cNvSpPr>
+          <p:nvPr>
+            <p:ph type="title"/>
+          </p:nvPr>
+        </p:nvSpPr>
+        <p:spPr>
+          <a:xfrm>
+            <a:off x="838200" y="365125"/>
+            <a:ext cx="10515600" cy="640080"/>
+          </a:xfrm>
+        </p:spPr>
+        <p:txBody>
+          <a:bodyPr>
+            <a:normAutofit/>
+          </a:bodyPr>
+          <a:lstStyle/>
+          <a:p>
+            <a:pPr algn="ctr"/>
+            <a:r>
+              <a:rPr lang="en-US" sz="3600" dirty="0">
+                <a:latin typeface="Bebas Neue" panose="020B0606020202050201" pitchFamily="34" charset="0"/>
+              </a:rPr>
+              <a:t>Binary encoding</a:t>
+            </a:r>
+            <a:endParaRPr lang="en-US" sz="3600" dirty="0"/>
+          </a:p>
+        </p:txBody>
+      </p:sp>
+      <p:sp>
+        <p:nvSpPr>
+          <p:cNvPr id="3" name="Content Placeholder 2">
+            <a:extLst>
+              <a:ext uri="{FF2B5EF4-FFF2-40B4-BE49-F238E27FC236}">
+                <a16:creationId xmlns:a16="http://schemas.microsoft.com/office/drawing/2014/main" id="{C1E753FD-B494-DCBB-81D5-4F125074F624}"/>
+              </a:ext>
+            </a:extLst>
+          </p:cNvPr>
+          <p:cNvSpPr>
+            <a:spLocks noGrp="1"/>
+          </p:cNvSpPr>
+          <p:nvPr>
+            <p:ph idx="1"/>
+          </p:nvPr>
+        </p:nvSpPr>
+        <p:spPr>
+          <a:xfrm>
+            <a:off x="838200" y="1091381"/>
+            <a:ext cx="10515600" cy="5085582"/>
+          </a:xfrm>
+        </p:spPr>
+        <p:txBody>
+          <a:bodyPr>
+            <a:normAutofit/>
+          </a:bodyPr>
+          <a:lstStyle/>
+          <a:p>
+            <a:pPr marL="0" indent="0" algn="just">
+              <a:buNone/>
+            </a:pPr>
+            <a:r>
+              <a:rPr lang="en-US" sz="2400" dirty="0">
+                <a:latin typeface="Open Sans" pitchFamily="2" charset="0"/>
+                <a:ea typeface="Open Sans" pitchFamily="2" charset="0"/>
+                <a:cs typeface="Open Sans" pitchFamily="2" charset="0"/>
+              </a:rPr>
+              <a:t>H</a:t>
+            </a:r>
+          </a:p>
+        </p:txBody>
+      </p:sp>
+    </p:spTree>
+    <p:extLst>
+      <p:ext uri="{BB962C8B-B14F-4D97-AF65-F5344CB8AC3E}">
+        <p14:creationId xmlns:p14="http://schemas.microsoft.com/office/powerpoint/2010/main" val="4279299395"/>
+      </p:ext>
+    </p:extLst>
+  </p:cSld>
+  <p:clrMapOvr>
+    <a:masterClrMapping/>
+  </p:clrMapOvr>
+</p:sld>
+</file>
+
+<file path=ppt/slides/slide5.xml><?xml version="1.0" encoding="utf-8"?>
+<p:sld xmlns:a="http://schemas.openxmlformats.org/drawingml/2006/main" xmlns:r="http://schemas.openxmlformats.org/officeDocument/2006/relationships" xmlns:p="http://schemas.openxmlformats.org/presentationml/2006/main">
+  <p:cSld>
+    <p:spTree>
+      <p:nvGrpSpPr>
+        <p:cNvPr id="1" name="">
+          <a:extLst>
+            <a:ext uri="{FF2B5EF4-FFF2-40B4-BE49-F238E27FC236}">
+              <a16:creationId xmlns:a16="http://schemas.microsoft.com/office/drawing/2014/main" id="{E7A11B5B-F58B-3AB4-6B0E-68545EC69CB1}"/>
+            </a:ext>
+          </a:extLst>
+        </p:cNvPr>
+        <p:cNvGrpSpPr/>
+        <p:nvPr/>
+      </p:nvGrpSpPr>
+      <p:grpSpPr>
+        <a:xfrm>
+          <a:off x="0" y="0"/>
+          <a:ext cx="0" cy="0"/>
+          <a:chOff x="0" y="0"/>
+          <a:chExt cx="0" cy="0"/>
+        </a:xfrm>
+      </p:grpSpPr>
+      <p:sp>
+        <p:nvSpPr>
+          <p:cNvPr id="2" name="Title 1">
+            <a:extLst>
+              <a:ext uri="{FF2B5EF4-FFF2-40B4-BE49-F238E27FC236}">
+                <a16:creationId xmlns:a16="http://schemas.microsoft.com/office/drawing/2014/main" id="{B09493AB-688B-6FD7-D1E5-07C359AE0788}"/>
+              </a:ext>
+            </a:extLst>
+          </p:cNvPr>
+          <p:cNvSpPr>
+            <a:spLocks noGrp="1"/>
+          </p:cNvSpPr>
+          <p:nvPr>
+            <p:ph type="title"/>
+          </p:nvPr>
+        </p:nvSpPr>
+        <p:spPr>
+          <a:xfrm>
+            <a:off x="838200" y="365125"/>
+            <a:ext cx="10515600" cy="640080"/>
+          </a:xfrm>
+        </p:spPr>
+        <p:txBody>
+          <a:bodyPr>
+            <a:normAutofit/>
+          </a:bodyPr>
+          <a:lstStyle/>
+          <a:p>
+            <a:pPr algn="ctr"/>
+            <a:r>
+              <a:rPr lang="en-US" sz="3600" dirty="0">
+                <a:latin typeface="Bebas Neue" panose="020B0606020202050201" pitchFamily="34" charset="0"/>
+              </a:rPr>
+              <a:t>Binary encoding</a:t>
+            </a:r>
+            <a:endParaRPr lang="en-US" sz="3600" dirty="0"/>
+          </a:p>
+        </p:txBody>
+      </p:sp>
+      <p:sp>
+        <p:nvSpPr>
+          <p:cNvPr id="3" name="Content Placeholder 2">
+            <a:extLst>
+              <a:ext uri="{FF2B5EF4-FFF2-40B4-BE49-F238E27FC236}">
+                <a16:creationId xmlns:a16="http://schemas.microsoft.com/office/drawing/2014/main" id="{87F560CD-3AA7-5EBD-FDEF-B0D3C8636300}"/>
+              </a:ext>
+            </a:extLst>
+          </p:cNvPr>
+          <p:cNvSpPr>
+            <a:spLocks noGrp="1"/>
+          </p:cNvSpPr>
+          <p:nvPr>
+            <p:ph idx="1"/>
+          </p:nvPr>
+        </p:nvSpPr>
+        <p:spPr>
+          <a:xfrm>
+            <a:off x="838200" y="1091381"/>
+            <a:ext cx="10515600" cy="5085582"/>
+          </a:xfrm>
+        </p:spPr>
+        <p:txBody>
+          <a:bodyPr>
+            <a:normAutofit/>
+          </a:bodyPr>
+          <a:lstStyle/>
+          <a:p>
+            <a:pPr marL="0" indent="0" algn="just">
+              <a:buNone/>
+            </a:pPr>
+            <a:r>
+              <a:rPr lang="en-US" sz="2400" dirty="0">
+                <a:latin typeface="Open Sans" pitchFamily="2" charset="0"/>
+                <a:ea typeface="Open Sans" pitchFamily="2" charset="0"/>
+                <a:cs typeface="Open Sans" pitchFamily="2" charset="0"/>
+              </a:rPr>
+              <a:t>H</a:t>
+            </a:r>
+          </a:p>
+        </p:txBody>
+      </p:sp>
+    </p:spTree>
+    <p:extLst>
+      <p:ext uri="{BB962C8B-B14F-4D97-AF65-F5344CB8AC3E}">
+        <p14:creationId xmlns:p14="http://schemas.microsoft.com/office/powerpoint/2010/main" val="3194278634"/>
+      </p:ext>
+    </p:extLst>
+  </p:cSld>
+  <p:clrMapOvr>
+    <a:masterClrMapping/>
+  </p:clrMapOvr>
+</p:sld>
+</file>
+
+<file path=ppt/slides/slide6.xml><?xml version="1.0" encoding="utf-8"?>
+<p:sld xmlns:a="http://schemas.openxmlformats.org/drawingml/2006/main" xmlns:r="http://schemas.openxmlformats.org/officeDocument/2006/relationships" xmlns:p="http://schemas.openxmlformats.org/presentationml/2006/main">
+  <p:cSld>
+    <p:spTree>
+      <p:nvGrpSpPr>
+        <p:cNvPr id="1" name="">
+          <a:extLst>
+            <a:ext uri="{FF2B5EF4-FFF2-40B4-BE49-F238E27FC236}">
+              <a16:creationId xmlns:a16="http://schemas.microsoft.com/office/drawing/2014/main" id="{2959A719-3930-0EE1-789D-90E47F44F06A}"/>
+            </a:ext>
+          </a:extLst>
+        </p:cNvPr>
+        <p:cNvGrpSpPr/>
+        <p:nvPr/>
+      </p:nvGrpSpPr>
+      <p:grpSpPr>
+        <a:xfrm>
+          <a:off x="0" y="0"/>
+          <a:ext cx="0" cy="0"/>
+          <a:chOff x="0" y="0"/>
+          <a:chExt cx="0" cy="0"/>
+        </a:xfrm>
+      </p:grpSpPr>
+      <p:sp>
+        <p:nvSpPr>
+          <p:cNvPr id="2" name="Title 1">
+            <a:extLst>
+              <a:ext uri="{FF2B5EF4-FFF2-40B4-BE49-F238E27FC236}">
+                <a16:creationId xmlns:a16="http://schemas.microsoft.com/office/drawing/2014/main" id="{339FA1F6-DADF-302B-0697-9CF08F67080E}"/>
+              </a:ext>
+            </a:extLst>
+          </p:cNvPr>
+          <p:cNvSpPr>
+            <a:spLocks noGrp="1"/>
+          </p:cNvSpPr>
+          <p:nvPr>
+            <p:ph type="title"/>
+          </p:nvPr>
+        </p:nvSpPr>
+        <p:spPr>
+          <a:xfrm>
+            <a:off x="838200" y="365125"/>
+            <a:ext cx="10515600" cy="640080"/>
+          </a:xfrm>
+        </p:spPr>
+        <p:txBody>
+          <a:bodyPr>
+            <a:normAutofit/>
+          </a:bodyPr>
+          <a:lstStyle/>
+          <a:p>
+            <a:pPr algn="ctr"/>
+            <a:r>
+              <a:rPr lang="en-US" sz="3600" dirty="0">
+                <a:latin typeface="Bebas Neue" panose="020B0606020202050201" pitchFamily="34" charset="0"/>
+              </a:rPr>
+              <a:t>Binary encoding</a:t>
+            </a:r>
+            <a:endParaRPr lang="en-US" sz="3600" dirty="0"/>
+          </a:p>
+        </p:txBody>
+      </p:sp>
+      <p:sp>
+        <p:nvSpPr>
+          <p:cNvPr id="3" name="Content Placeholder 2">
+            <a:extLst>
+              <a:ext uri="{FF2B5EF4-FFF2-40B4-BE49-F238E27FC236}">
+                <a16:creationId xmlns:a16="http://schemas.microsoft.com/office/drawing/2014/main" id="{92E7BABB-6A50-CC6E-B4F8-9CFA08DBBC76}"/>
+              </a:ext>
+            </a:extLst>
+          </p:cNvPr>
+          <p:cNvSpPr>
+            <a:spLocks noGrp="1"/>
+          </p:cNvSpPr>
+          <p:nvPr>
+            <p:ph idx="1"/>
+          </p:nvPr>
+        </p:nvSpPr>
+        <p:spPr>
+          <a:xfrm>
+            <a:off x="838200" y="1091381"/>
+            <a:ext cx="10515600" cy="5085582"/>
+          </a:xfrm>
+        </p:spPr>
+        <p:txBody>
+          <a:bodyPr>
+            <a:normAutofit/>
+          </a:bodyPr>
+          <a:lstStyle/>
+          <a:p>
+            <a:pPr marL="0" indent="0" algn="just">
+              <a:buNone/>
+            </a:pPr>
+            <a:r>
+              <a:rPr lang="en-US" sz="2400" dirty="0">
+                <a:latin typeface="Open Sans" pitchFamily="2" charset="0"/>
+                <a:ea typeface="Open Sans" pitchFamily="2" charset="0"/>
+                <a:cs typeface="Open Sans" pitchFamily="2" charset="0"/>
+              </a:rPr>
+              <a:t>H</a:t>
+            </a:r>
+          </a:p>
+        </p:txBody>
+      </p:sp>
+    </p:spTree>
+    <p:extLst>
+      <p:ext uri="{BB962C8B-B14F-4D97-AF65-F5344CB8AC3E}">
+        <p14:creationId xmlns:p14="http://schemas.microsoft.com/office/powerpoint/2010/main" val="3925376630"/>
+      </p:ext>
+    </p:extLst>
+  </p:cSld>
+  <p:clrMapOvr>
+    <a:masterClrMapping/>
+  </p:clrMapOvr>
+</p:sld>
+</file>
+
+<file path=ppt/slides/slide7.xml><?xml version="1.0" encoding="utf-8"?>
+<p:sld xmlns:a="http://schemas.openxmlformats.org/drawingml/2006/main" xmlns:r="http://schemas.openxmlformats.org/officeDocument/2006/relationships" xmlns:p="http://schemas.openxmlformats.org/presentationml/2006/main">
+  <p:cSld>
+    <p:spTree>
+      <p:nvGrpSpPr>
+        <p:cNvPr id="1" name="">
+          <a:extLst>
+            <a:ext uri="{FF2B5EF4-FFF2-40B4-BE49-F238E27FC236}">
+              <a16:creationId xmlns:a16="http://schemas.microsoft.com/office/drawing/2014/main" id="{291204F3-3607-5904-231C-E41F5457873C}"/>
+            </a:ext>
+          </a:extLst>
+        </p:cNvPr>
+        <p:cNvGrpSpPr/>
+        <p:nvPr/>
+      </p:nvGrpSpPr>
+      <p:grpSpPr>
+        <a:xfrm>
+          <a:off x="0" y="0"/>
+          <a:ext cx="0" cy="0"/>
+          <a:chOff x="0" y="0"/>
+          <a:chExt cx="0" cy="0"/>
+        </a:xfrm>
+      </p:grpSpPr>
+      <p:sp>
+        <p:nvSpPr>
+          <p:cNvPr id="2" name="Title 1">
+            <a:extLst>
+              <a:ext uri="{FF2B5EF4-FFF2-40B4-BE49-F238E27FC236}">
+                <a16:creationId xmlns:a16="http://schemas.microsoft.com/office/drawing/2014/main" id="{8EC347FF-396B-2E19-872C-EF411BFE97A1}"/>
+              </a:ext>
+            </a:extLst>
+          </p:cNvPr>
+          <p:cNvSpPr>
+            <a:spLocks noGrp="1"/>
+          </p:cNvSpPr>
+          <p:nvPr>
+            <p:ph type="title"/>
+          </p:nvPr>
+        </p:nvSpPr>
+        <p:spPr>
+          <a:xfrm>
+            <a:off x="838200" y="365125"/>
+            <a:ext cx="10515600" cy="640080"/>
+          </a:xfrm>
+        </p:spPr>
+        <p:txBody>
+          <a:bodyPr>
+            <a:normAutofit/>
+          </a:bodyPr>
+          <a:lstStyle/>
+          <a:p>
+            <a:pPr algn="ctr"/>
+            <a:r>
+              <a:rPr lang="en-US" sz="3600" dirty="0">
+                <a:latin typeface="Bebas Neue" panose="020B0606020202050201" pitchFamily="34" charset="0"/>
+              </a:rPr>
+              <a:t>Binary encoding</a:t>
+            </a:r>
+            <a:endParaRPr lang="en-US" sz="3600" dirty="0"/>
+          </a:p>
+        </p:txBody>
+      </p:sp>
+      <p:sp>
+        <p:nvSpPr>
+          <p:cNvPr id="3" name="Content Placeholder 2">
+            <a:extLst>
+              <a:ext uri="{FF2B5EF4-FFF2-40B4-BE49-F238E27FC236}">
+                <a16:creationId xmlns:a16="http://schemas.microsoft.com/office/drawing/2014/main" id="{C68466BA-1634-79C5-C863-80A297336B90}"/>
+              </a:ext>
+            </a:extLst>
+          </p:cNvPr>
+          <p:cNvSpPr>
+            <a:spLocks noGrp="1"/>
+          </p:cNvSpPr>
+          <p:nvPr>
+            <p:ph idx="1"/>
+          </p:nvPr>
+        </p:nvSpPr>
+        <p:spPr>
+          <a:xfrm>
+            <a:off x="838200" y="1091381"/>
+            <a:ext cx="10515600" cy="5085582"/>
+          </a:xfrm>
+        </p:spPr>
+        <p:txBody>
+          <a:bodyPr>
+            <a:normAutofit/>
+          </a:bodyPr>
+          <a:lstStyle/>
+          <a:p>
+            <a:pPr marL="0" indent="0" algn="just">
+              <a:buNone/>
+            </a:pPr>
+            <a:r>
+              <a:rPr lang="en-US" sz="2400" dirty="0">
+                <a:latin typeface="Open Sans" pitchFamily="2" charset="0"/>
+                <a:ea typeface="Open Sans" pitchFamily="2" charset="0"/>
+                <a:cs typeface="Open Sans" pitchFamily="2" charset="0"/>
+              </a:rPr>
+              <a:t>H</a:t>
+            </a:r>
+          </a:p>
+        </p:txBody>
+      </p:sp>
+    </p:spTree>
+    <p:extLst>
+      <p:ext uri="{BB962C8B-B14F-4D97-AF65-F5344CB8AC3E}">
+        <p14:creationId xmlns:p14="http://schemas.microsoft.com/office/powerpoint/2010/main" val="2140278431"/>
+      </p:ext>
+    </p:extLst>
+  </p:cSld>
+  <p:clrMapOvr>
+    <a:masterClrMapping/>
+  </p:clrMapOvr>
+</p:sld>
+</file>
+
+<file path=ppt/slides/slide8.xml><?xml version="1.0" encoding="utf-8"?>
+<p:sld xmlns:a="http://schemas.openxmlformats.org/drawingml/2006/main" xmlns:r="http://schemas.openxmlformats.org/officeDocument/2006/relationships" xmlns:p="http://schemas.openxmlformats.org/presentationml/2006/main">
+  <p:cSld>
+    <p:spTree>
+      <p:nvGrpSpPr>
+        <p:cNvPr id="1" name="">
+          <a:extLst>
+            <a:ext uri="{FF2B5EF4-FFF2-40B4-BE49-F238E27FC236}">
+              <a16:creationId xmlns:a16="http://schemas.microsoft.com/office/drawing/2014/main" id="{4BF5FA69-9D32-A026-71B5-695513F8E444}"/>
+            </a:ext>
+          </a:extLst>
+        </p:cNvPr>
+        <p:cNvGrpSpPr/>
+        <p:nvPr/>
+      </p:nvGrpSpPr>
+      <p:grpSpPr>
+        <a:xfrm>
+          <a:off x="0" y="0"/>
+          <a:ext cx="0" cy="0"/>
+          <a:chOff x="0" y="0"/>
+          <a:chExt cx="0" cy="0"/>
+        </a:xfrm>
+      </p:grpSpPr>
+      <p:sp>
+        <p:nvSpPr>
+          <p:cNvPr id="2" name="Title 1">
+            <a:extLst>
+              <a:ext uri="{FF2B5EF4-FFF2-40B4-BE49-F238E27FC236}">
+                <a16:creationId xmlns:a16="http://schemas.microsoft.com/office/drawing/2014/main" id="{A2475525-F534-AAB0-9D7C-084533A6BD42}"/>
+              </a:ext>
+            </a:extLst>
+          </p:cNvPr>
+          <p:cNvSpPr>
+            <a:spLocks noGrp="1"/>
+          </p:cNvSpPr>
+          <p:nvPr>
+            <p:ph type="title"/>
+          </p:nvPr>
+        </p:nvSpPr>
+        <p:spPr>
+          <a:xfrm>
+            <a:off x="838200" y="365125"/>
+            <a:ext cx="10515600" cy="640080"/>
+          </a:xfrm>
+        </p:spPr>
+        <p:txBody>
+          <a:bodyPr>
+            <a:normAutofit/>
+          </a:bodyPr>
+          <a:lstStyle/>
+          <a:p>
+            <a:pPr algn="ctr"/>
+            <a:r>
+              <a:rPr lang="en-US" sz="3600" dirty="0">
+                <a:latin typeface="Bebas Neue" panose="020B0606020202050201" pitchFamily="34" charset="0"/>
+              </a:rPr>
+              <a:t>Binary encoding</a:t>
+            </a:r>
+            <a:endParaRPr lang="en-US" sz="3600" dirty="0"/>
+          </a:p>
+        </p:txBody>
+      </p:sp>
+      <p:sp>
+        <p:nvSpPr>
+          <p:cNvPr id="3" name="Content Placeholder 2">
+            <a:extLst>
+              <a:ext uri="{FF2B5EF4-FFF2-40B4-BE49-F238E27FC236}">
+                <a16:creationId xmlns:a16="http://schemas.microsoft.com/office/drawing/2014/main" id="{418E1C71-DC01-C222-9FD1-ACA29744130E}"/>
+              </a:ext>
+            </a:extLst>
+          </p:cNvPr>
+          <p:cNvSpPr>
+            <a:spLocks noGrp="1"/>
+          </p:cNvSpPr>
+          <p:nvPr>
+            <p:ph idx="1"/>
+          </p:nvPr>
+        </p:nvSpPr>
+        <p:spPr>
+          <a:xfrm>
+            <a:off x="838200" y="1091381"/>
+            <a:ext cx="10515600" cy="5085582"/>
+          </a:xfrm>
+        </p:spPr>
+        <p:txBody>
+          <a:bodyPr>
+            <a:normAutofit/>
+          </a:bodyPr>
+          <a:lstStyle/>
+          <a:p>
+            <a:pPr marL="0" indent="0" algn="just">
+              <a:buNone/>
+            </a:pPr>
+            <a:r>
+              <a:rPr lang="en-US" sz="2400" dirty="0">
+                <a:latin typeface="Open Sans" pitchFamily="2" charset="0"/>
+                <a:ea typeface="Open Sans" pitchFamily="2" charset="0"/>
+                <a:cs typeface="Open Sans" pitchFamily="2" charset="0"/>
+              </a:rPr>
+              <a:t>H</a:t>
+            </a:r>
+          </a:p>
+        </p:txBody>
+      </p:sp>
+    </p:spTree>
+    <p:extLst>
+      <p:ext uri="{BB962C8B-B14F-4D97-AF65-F5344CB8AC3E}">
+        <p14:creationId xmlns:p14="http://schemas.microsoft.com/office/powerpoint/2010/main" val="675924243"/>
+      </p:ext>
+    </p:extLst>
+  </p:cSld>
+  <p:clrMapOvr>
+    <a:masterClrMapping/>
+  </p:clrMapOvr>
+</p:sld>
+</file>
+
+<file path=ppt/slides/slide9.xml><?xml version="1.0" encoding="utf-8"?>
+<p:sld xmlns:a="http://schemas.openxmlformats.org/drawingml/2006/main" xmlns:r="http://schemas.openxmlformats.org/officeDocument/2006/relationships" xmlns:p="http://schemas.openxmlformats.org/presentationml/2006/main">
+  <p:cSld>
+    <p:spTree>
+      <p:nvGrpSpPr>
+        <p:cNvPr id="1" name="">
+          <a:extLst>
+            <a:ext uri="{FF2B5EF4-FFF2-40B4-BE49-F238E27FC236}">
+              <a16:creationId xmlns:a16="http://schemas.microsoft.com/office/drawing/2014/main" id="{FEA6046A-837C-C251-E8E4-FAF45E740813}"/>
+            </a:ext>
+          </a:extLst>
+        </p:cNvPr>
+        <p:cNvGrpSpPr/>
+        <p:nvPr/>
+      </p:nvGrpSpPr>
+      <p:grpSpPr>
+        <a:xfrm>
+          <a:off x="0" y="0"/>
+          <a:ext cx="0" cy="0"/>
+          <a:chOff x="0" y="0"/>
+          <a:chExt cx="0" cy="0"/>
+        </a:xfrm>
+      </p:grpSpPr>
+      <p:sp>
+        <p:nvSpPr>
+          <p:cNvPr id="2" name="Title 1">
+            <a:extLst>
+              <a:ext uri="{FF2B5EF4-FFF2-40B4-BE49-F238E27FC236}">
+                <a16:creationId xmlns:a16="http://schemas.microsoft.com/office/drawing/2014/main" id="{52102E04-82B1-27B5-FCA9-54A2A305FF63}"/>
+              </a:ext>
+            </a:extLst>
+          </p:cNvPr>
+          <p:cNvSpPr>
+            <a:spLocks noGrp="1"/>
+          </p:cNvSpPr>
+          <p:nvPr>
+            <p:ph type="title"/>
+          </p:nvPr>
+        </p:nvSpPr>
+        <p:spPr>
+          <a:xfrm>
+            <a:off x="838200" y="365125"/>
+            <a:ext cx="10515600" cy="640080"/>
+          </a:xfrm>
+        </p:spPr>
+        <p:txBody>
+          <a:bodyPr>
+            <a:normAutofit/>
+          </a:bodyPr>
+          <a:lstStyle/>
+          <a:p>
+            <a:pPr algn="ctr"/>
+            <a:r>
+              <a:rPr lang="en-US" sz="3600" dirty="0">
+                <a:latin typeface="Bebas Neue" panose="020B0606020202050201" pitchFamily="34" charset="0"/>
+              </a:rPr>
+              <a:t>Binary encoding</a:t>
+            </a:r>
+            <a:endParaRPr lang="en-US" sz="3600" dirty="0"/>
+          </a:p>
+        </p:txBody>
+      </p:sp>
+      <p:sp>
+        <p:nvSpPr>
+          <p:cNvPr id="3" name="Content Placeholder 2">
+            <a:extLst>
+              <a:ext uri="{FF2B5EF4-FFF2-40B4-BE49-F238E27FC236}">
+                <a16:creationId xmlns:a16="http://schemas.microsoft.com/office/drawing/2014/main" id="{5958A646-9C93-46A2-875D-10608585F4E6}"/>
+              </a:ext>
+            </a:extLst>
+          </p:cNvPr>
+          <p:cNvSpPr>
+            <a:spLocks noGrp="1"/>
+          </p:cNvSpPr>
+          <p:nvPr>
+            <p:ph idx="1"/>
+          </p:nvPr>
+        </p:nvSpPr>
+        <p:spPr>
+          <a:xfrm>
+            <a:off x="838200" y="1091381"/>
+            <a:ext cx="10515600" cy="5085582"/>
+          </a:xfrm>
+        </p:spPr>
+        <p:txBody>
+          <a:bodyPr>
+            <a:normAutofit/>
+          </a:bodyPr>
+          <a:lstStyle/>
+          <a:p>
+            <a:pPr marL="0" indent="0" algn="just">
+              <a:buNone/>
+            </a:pPr>
+            <a:r>
+              <a:rPr lang="en-US" sz="2400" dirty="0">
+                <a:latin typeface="Open Sans" pitchFamily="2" charset="0"/>
+                <a:ea typeface="Open Sans" pitchFamily="2" charset="0"/>
+                <a:cs typeface="Open Sans" pitchFamily="2" charset="0"/>
+              </a:rPr>
+              <a:t>H</a:t>
+            </a:r>
+          </a:p>
+        </p:txBody>
+      </p:sp>
+    </p:spTree>
+    <p:extLst>
+      <p:ext uri="{BB962C8B-B14F-4D97-AF65-F5344CB8AC3E}">
+        <p14:creationId xmlns:p14="http://schemas.microsoft.com/office/powerpoint/2010/main" val="959255964"/>
       </p:ext>
     </p:extLst>
   </p:cSld>

--- a/My Note and Practice/Text to Numerical Data Conversion/Categorical(Text to Numeric) data conversion-CTtN/Nominal Data/CTNtN2. Binary Encoding/Binary Encoding.pptx
+++ b/My Note and Practice/Text to Numerical Data Conversion/Categorical(Text to Numeric) data conversion-CTtN/Nominal Data/CTNtN2. Binary Encoding/Binary Encoding.pptx
@@ -7,16 +7,10 @@
   <p:sldIdLst>
     <p:sldId id="309" r:id="rId2"/>
     <p:sldId id="310" r:id="rId3"/>
-    <p:sldId id="311" r:id="rId4"/>
-    <p:sldId id="312" r:id="rId5"/>
-    <p:sldId id="313" r:id="rId6"/>
-    <p:sldId id="314" r:id="rId7"/>
-    <p:sldId id="315" r:id="rId8"/>
-    <p:sldId id="316" r:id="rId9"/>
-    <p:sldId id="317" r:id="rId10"/>
-    <p:sldId id="318" r:id="rId11"/>
-    <p:sldId id="319" r:id="rId12"/>
-    <p:sldId id="320" r:id="rId13"/>
+    <p:sldId id="321" r:id="rId4"/>
+    <p:sldId id="311" r:id="rId5"/>
+    <p:sldId id="320" r:id="rId6"/>
+    <p:sldId id="322" r:id="rId7"/>
   </p:sldIdLst>
   <p:sldSz cx="12192000" cy="6858000"/>
   <p:notesSz cx="6858000" cy="9144000"/>
@@ -3375,6 +3369,7 @@
             <a:r>
               <a:rPr lang="en-US" sz="3600" dirty="0">
                 <a:latin typeface="Bebas Neue" panose="020B0606020202050201" pitchFamily="34" charset="0"/>
+                <a:hlinkClick r:id="rId2"/>
               </a:rPr>
               <a:t>Binary encoding</a:t>
             </a:r>
@@ -3414,388 +3409,1092 @@
               <a:buNone/>
             </a:pPr>
             <a:r>
-              <a:rPr lang="en-US" sz="2400"/>
-              <a:t>Binary Encoding converts each category into a </a:t>
-            </a:r>
-            <a:r>
-              <a:rPr lang="en-US" sz="2400" b="1"/>
-              <a:t>numeric code</a:t>
-            </a:r>
-            <a:r>
-              <a:rPr lang="en-US" sz="2400"/>
-              <a:t>, then represents that number in </a:t>
-            </a:r>
-            <a:r>
-              <a:rPr lang="en-US" sz="2400" b="1"/>
-              <a:t>binary form</a:t>
-            </a:r>
-            <a:r>
-              <a:rPr lang="en-US" sz="2400"/>
-              <a:t>.</a:t>
-            </a:r>
-            <a:endParaRPr lang="en-US" sz="2400" dirty="0">
-              <a:latin typeface="Open Sans" pitchFamily="2" charset="0"/>
-              <a:ea typeface="Open Sans" pitchFamily="2" charset="0"/>
-              <a:cs typeface="Open Sans" pitchFamily="2" charset="0"/>
-            </a:endParaRPr>
-          </a:p>
-        </p:txBody>
-      </p:sp>
-    </p:spTree>
-    <p:extLst>
-      <p:ext uri="{BB962C8B-B14F-4D97-AF65-F5344CB8AC3E}">
-        <p14:creationId xmlns:p14="http://schemas.microsoft.com/office/powerpoint/2010/main" val="1846840860"/>
-      </p:ext>
-    </p:extLst>
-  </p:cSld>
-  <p:clrMapOvr>
-    <a:masterClrMapping/>
-  </p:clrMapOvr>
-</p:sld>
-</file>
-
-<file path=ppt/slides/slide10.xml><?xml version="1.0" encoding="utf-8"?>
-<p:sld xmlns:a="http://schemas.openxmlformats.org/drawingml/2006/main" xmlns:r="http://schemas.openxmlformats.org/officeDocument/2006/relationships" xmlns:p="http://schemas.openxmlformats.org/presentationml/2006/main">
-  <p:cSld>
-    <p:spTree>
-      <p:nvGrpSpPr>
-        <p:cNvPr id="1" name="">
-          <a:extLst>
-            <a:ext uri="{FF2B5EF4-FFF2-40B4-BE49-F238E27FC236}">
-              <a16:creationId xmlns:a16="http://schemas.microsoft.com/office/drawing/2014/main" id="{4F483B09-7FEC-1E82-8890-9213D1B3A624}"/>
-            </a:ext>
-          </a:extLst>
-        </p:cNvPr>
-        <p:cNvGrpSpPr/>
-        <p:nvPr/>
-      </p:nvGrpSpPr>
-      <p:grpSpPr>
-        <a:xfrm>
-          <a:off x="0" y="0"/>
-          <a:ext cx="0" cy="0"/>
-          <a:chOff x="0" y="0"/>
-          <a:chExt cx="0" cy="0"/>
-        </a:xfrm>
-      </p:grpSpPr>
-      <p:sp>
-        <p:nvSpPr>
-          <p:cNvPr id="2" name="Title 1">
-            <a:extLst>
-              <a:ext uri="{FF2B5EF4-FFF2-40B4-BE49-F238E27FC236}">
-                <a16:creationId xmlns:a16="http://schemas.microsoft.com/office/drawing/2014/main" id="{396171F7-17E3-63E9-7D90-93B363691235}"/>
-              </a:ext>
-            </a:extLst>
-          </p:cNvPr>
-          <p:cNvSpPr>
-            <a:spLocks noGrp="1"/>
-          </p:cNvSpPr>
-          <p:nvPr>
-            <p:ph type="title"/>
-          </p:nvPr>
-        </p:nvSpPr>
-        <p:spPr>
-          <a:xfrm>
-            <a:off x="838200" y="365125"/>
-            <a:ext cx="10515600" cy="640080"/>
-          </a:xfrm>
-        </p:spPr>
-        <p:txBody>
-          <a:bodyPr>
-            <a:normAutofit/>
-          </a:bodyPr>
-          <a:lstStyle/>
-          <a:p>
-            <a:pPr algn="ctr"/>
-            <a:r>
-              <a:rPr lang="en-US" sz="3600" dirty="0">
-                <a:latin typeface="Bebas Neue" panose="020B0606020202050201" pitchFamily="34" charset="0"/>
-              </a:rPr>
-              <a:t>Binary encoding</a:t>
-            </a:r>
-            <a:endParaRPr lang="en-US" sz="3600" dirty="0"/>
-          </a:p>
-        </p:txBody>
-      </p:sp>
-      <p:sp>
-        <p:nvSpPr>
-          <p:cNvPr id="3" name="Content Placeholder 2">
-            <a:extLst>
-              <a:ext uri="{FF2B5EF4-FFF2-40B4-BE49-F238E27FC236}">
-                <a16:creationId xmlns:a16="http://schemas.microsoft.com/office/drawing/2014/main" id="{7E682DA3-D4A8-7E29-116E-D98B509CCE97}"/>
-              </a:ext>
-            </a:extLst>
-          </p:cNvPr>
-          <p:cNvSpPr>
-            <a:spLocks noGrp="1"/>
-          </p:cNvSpPr>
-          <p:nvPr>
-            <p:ph idx="1"/>
-          </p:nvPr>
-        </p:nvSpPr>
-        <p:spPr>
-          <a:xfrm>
-            <a:off x="838200" y="1091381"/>
-            <a:ext cx="10515600" cy="5085582"/>
-          </a:xfrm>
-        </p:spPr>
-        <p:txBody>
-          <a:bodyPr>
-            <a:normAutofit/>
-          </a:bodyPr>
-          <a:lstStyle/>
-          <a:p>
-            <a:pPr marL="0" indent="0" algn="just">
-              <a:buNone/>
-            </a:pPr>
-            <a:r>
               <a:rPr lang="en-US" sz="2400" dirty="0">
                 <a:latin typeface="Open Sans" pitchFamily="2" charset="0"/>
                 <a:ea typeface="Open Sans" pitchFamily="2" charset="0"/>
                 <a:cs typeface="Open Sans" pitchFamily="2" charset="0"/>
               </a:rPr>
-              <a:t>H</a:t>
-            </a:r>
-          </a:p>
-        </p:txBody>
-      </p:sp>
-    </p:spTree>
-    <p:extLst>
-      <p:ext uri="{BB962C8B-B14F-4D97-AF65-F5344CB8AC3E}">
-        <p14:creationId xmlns:p14="http://schemas.microsoft.com/office/powerpoint/2010/main" val="2657267284"/>
-      </p:ext>
-    </p:extLst>
-  </p:cSld>
-  <p:clrMapOvr>
-    <a:masterClrMapping/>
-  </p:clrMapOvr>
-</p:sld>
-</file>
-
-<file path=ppt/slides/slide11.xml><?xml version="1.0" encoding="utf-8"?>
-<p:sld xmlns:a="http://schemas.openxmlformats.org/drawingml/2006/main" xmlns:r="http://schemas.openxmlformats.org/officeDocument/2006/relationships" xmlns:p="http://schemas.openxmlformats.org/presentationml/2006/main">
-  <p:cSld>
-    <p:spTree>
-      <p:nvGrpSpPr>
-        <p:cNvPr id="1" name="">
-          <a:extLst>
-            <a:ext uri="{FF2B5EF4-FFF2-40B4-BE49-F238E27FC236}">
-              <a16:creationId xmlns:a16="http://schemas.microsoft.com/office/drawing/2014/main" id="{CE3A22A7-D45B-B724-56C1-E32B783D4B34}"/>
-            </a:ext>
-          </a:extLst>
-        </p:cNvPr>
-        <p:cNvGrpSpPr/>
-        <p:nvPr/>
-      </p:nvGrpSpPr>
-      <p:grpSpPr>
-        <a:xfrm>
-          <a:off x="0" y="0"/>
-          <a:ext cx="0" cy="0"/>
-          <a:chOff x="0" y="0"/>
-          <a:chExt cx="0" cy="0"/>
-        </a:xfrm>
-      </p:grpSpPr>
-      <p:sp>
-        <p:nvSpPr>
-          <p:cNvPr id="2" name="Title 1">
-            <a:extLst>
-              <a:ext uri="{FF2B5EF4-FFF2-40B4-BE49-F238E27FC236}">
-                <a16:creationId xmlns:a16="http://schemas.microsoft.com/office/drawing/2014/main" id="{57F7317E-514C-F8CE-5188-51BAA5DA92FA}"/>
-              </a:ext>
-            </a:extLst>
-          </p:cNvPr>
-          <p:cNvSpPr>
-            <a:spLocks noGrp="1"/>
-          </p:cNvSpPr>
-          <p:nvPr>
-            <p:ph type="title"/>
-          </p:nvPr>
-        </p:nvSpPr>
-        <p:spPr>
-          <a:xfrm>
-            <a:off x="838200" y="365125"/>
-            <a:ext cx="10515600" cy="640080"/>
-          </a:xfrm>
-        </p:spPr>
-        <p:txBody>
-          <a:bodyPr>
-            <a:normAutofit/>
-          </a:bodyPr>
-          <a:lstStyle/>
-          <a:p>
-            <a:pPr algn="ctr"/>
-            <a:r>
-              <a:rPr lang="en-US" sz="3600" dirty="0">
-                <a:latin typeface="Bebas Neue" panose="020B0606020202050201" pitchFamily="34" charset="0"/>
+              <a:t>Binary Encoding converts each category into a </a:t>
+            </a:r>
+            <a:r>
+              <a:rPr lang="en-US" sz="2400" b="1" dirty="0">
+                <a:latin typeface="Open Sans" pitchFamily="2" charset="0"/>
+                <a:ea typeface="Open Sans" pitchFamily="2" charset="0"/>
+                <a:cs typeface="Open Sans" pitchFamily="2" charset="0"/>
               </a:rPr>
-              <a:t>Binary encoding</a:t>
-            </a:r>
-            <a:endParaRPr lang="en-US" sz="3600" dirty="0"/>
-          </a:p>
-        </p:txBody>
-      </p:sp>
-      <p:sp>
-        <p:nvSpPr>
-          <p:cNvPr id="3" name="Content Placeholder 2">
-            <a:extLst>
-              <a:ext uri="{FF2B5EF4-FFF2-40B4-BE49-F238E27FC236}">
-                <a16:creationId xmlns:a16="http://schemas.microsoft.com/office/drawing/2014/main" id="{A79F9749-FDFE-0F8F-9C1E-5325D45A5689}"/>
-              </a:ext>
-            </a:extLst>
-          </p:cNvPr>
-          <p:cNvSpPr>
-            <a:spLocks noGrp="1"/>
-          </p:cNvSpPr>
-          <p:nvPr>
-            <p:ph idx="1"/>
-          </p:nvPr>
-        </p:nvSpPr>
-        <p:spPr>
-          <a:xfrm>
-            <a:off x="838200" y="1091381"/>
-            <a:ext cx="10515600" cy="5085582"/>
-          </a:xfrm>
-        </p:spPr>
-        <p:txBody>
-          <a:bodyPr>
-            <a:normAutofit/>
-          </a:bodyPr>
-          <a:lstStyle/>
-          <a:p>
-            <a:pPr marL="0" indent="0" algn="just">
-              <a:buNone/>
-            </a:pPr>
+              <a:t>numeric code</a:t>
+            </a:r>
             <a:r>
               <a:rPr lang="en-US" sz="2400" dirty="0">
                 <a:latin typeface="Open Sans" pitchFamily="2" charset="0"/>
                 <a:ea typeface="Open Sans" pitchFamily="2" charset="0"/>
                 <a:cs typeface="Open Sans" pitchFamily="2" charset="0"/>
               </a:rPr>
-              <a:t>H</a:t>
-            </a:r>
-          </a:p>
-        </p:txBody>
-      </p:sp>
-    </p:spTree>
-    <p:extLst>
-      <p:ext uri="{BB962C8B-B14F-4D97-AF65-F5344CB8AC3E}">
-        <p14:creationId xmlns:p14="http://schemas.microsoft.com/office/powerpoint/2010/main" val="1838979385"/>
-      </p:ext>
-    </p:extLst>
-  </p:cSld>
-  <p:clrMapOvr>
-    <a:masterClrMapping/>
-  </p:clrMapOvr>
-</p:sld>
-</file>
-
-<file path=ppt/slides/slide12.xml><?xml version="1.0" encoding="utf-8"?>
-<p:sld xmlns:a="http://schemas.openxmlformats.org/drawingml/2006/main" xmlns:r="http://schemas.openxmlformats.org/officeDocument/2006/relationships" xmlns:p="http://schemas.openxmlformats.org/presentationml/2006/main">
-  <p:cSld>
-    <p:spTree>
-      <p:nvGrpSpPr>
-        <p:cNvPr id="1" name="">
-          <a:extLst>
-            <a:ext uri="{FF2B5EF4-FFF2-40B4-BE49-F238E27FC236}">
-              <a16:creationId xmlns:a16="http://schemas.microsoft.com/office/drawing/2014/main" id="{7ABE665F-ED66-FDEB-D75C-B66D251D6EE3}"/>
-            </a:ext>
-          </a:extLst>
-        </p:cNvPr>
-        <p:cNvGrpSpPr/>
-        <p:nvPr/>
-      </p:nvGrpSpPr>
-      <p:grpSpPr>
-        <a:xfrm>
-          <a:off x="0" y="0"/>
-          <a:ext cx="0" cy="0"/>
-          <a:chOff x="0" y="0"/>
-          <a:chExt cx="0" cy="0"/>
-        </a:xfrm>
-      </p:grpSpPr>
-      <p:sp>
-        <p:nvSpPr>
-          <p:cNvPr id="2" name="Title 1">
-            <a:extLst>
-              <a:ext uri="{FF2B5EF4-FFF2-40B4-BE49-F238E27FC236}">
-                <a16:creationId xmlns:a16="http://schemas.microsoft.com/office/drawing/2014/main" id="{27B4156E-3EB1-F0D2-4AA9-286C801ED19C}"/>
-              </a:ext>
-            </a:extLst>
-          </p:cNvPr>
-          <p:cNvSpPr>
-            <a:spLocks noGrp="1"/>
-          </p:cNvSpPr>
-          <p:nvPr>
-            <p:ph type="title"/>
-          </p:nvPr>
-        </p:nvSpPr>
-        <p:spPr>
-          <a:xfrm>
-            <a:off x="838200" y="365125"/>
-            <a:ext cx="10515600" cy="640080"/>
-          </a:xfrm>
-        </p:spPr>
-        <p:txBody>
-          <a:bodyPr>
-            <a:normAutofit/>
-          </a:bodyPr>
-          <a:lstStyle/>
-          <a:p>
-            <a:pPr algn="ctr"/>
-            <a:r>
-              <a:rPr lang="en-US" sz="3600" dirty="0">
-                <a:latin typeface="Bebas Neue" panose="020B0606020202050201" pitchFamily="34" charset="0"/>
+              <a:t>, then represents that number in </a:t>
+            </a:r>
+            <a:r>
+              <a:rPr lang="en-US" sz="2400" b="1" dirty="0">
+                <a:latin typeface="Open Sans" pitchFamily="2" charset="0"/>
+                <a:ea typeface="Open Sans" pitchFamily="2" charset="0"/>
+                <a:cs typeface="Open Sans" pitchFamily="2" charset="0"/>
               </a:rPr>
-              <a:t>Binary encoding</a:t>
-            </a:r>
-            <a:endParaRPr lang="en-US" sz="3600" dirty="0"/>
-          </a:p>
-        </p:txBody>
-      </p:sp>
-      <p:sp>
-        <p:nvSpPr>
-          <p:cNvPr id="3" name="Content Placeholder 2">
-            <a:extLst>
-              <a:ext uri="{FF2B5EF4-FFF2-40B4-BE49-F238E27FC236}">
-                <a16:creationId xmlns:a16="http://schemas.microsoft.com/office/drawing/2014/main" id="{56AE2243-AE28-6521-D31D-1E4F6D659F9B}"/>
-              </a:ext>
-            </a:extLst>
-          </p:cNvPr>
-          <p:cNvSpPr>
-            <a:spLocks noGrp="1"/>
-          </p:cNvSpPr>
-          <p:nvPr>
-            <p:ph idx="1"/>
-          </p:nvPr>
-        </p:nvSpPr>
-        <p:spPr>
-          <a:xfrm>
-            <a:off x="838200" y="1091381"/>
-            <a:ext cx="10515600" cy="5085582"/>
-          </a:xfrm>
-        </p:spPr>
-        <p:txBody>
-          <a:bodyPr>
-            <a:normAutofit/>
-          </a:bodyPr>
-          <a:lstStyle/>
-          <a:p>
-            <a:pPr marL="0" indent="0" algn="just">
-              <a:buNone/>
-            </a:pPr>
+              <a:t>binary form</a:t>
+            </a:r>
             <a:r>
               <a:rPr lang="en-US" sz="2400" dirty="0">
                 <a:latin typeface="Open Sans" pitchFamily="2" charset="0"/>
                 <a:ea typeface="Open Sans" pitchFamily="2" charset="0"/>
                 <a:cs typeface="Open Sans" pitchFamily="2" charset="0"/>
               </a:rPr>
-              <a:t>H</a:t>
-            </a:r>
-          </a:p>
-        </p:txBody>
-      </p:sp>
+              <a:t>.</a:t>
+            </a:r>
+          </a:p>
+          <a:p>
+            <a:pPr lvl="1" algn="just"/>
+            <a:r>
+              <a:rPr lang="en-US" dirty="0">
+                <a:latin typeface="Open Sans" pitchFamily="2" charset="0"/>
+                <a:ea typeface="Open Sans" pitchFamily="2" charset="0"/>
+                <a:cs typeface="Open Sans" pitchFamily="2" charset="0"/>
+              </a:rPr>
+              <a:t>Binary Encoding converts each category into a </a:t>
+            </a:r>
+            <a:r>
+              <a:rPr lang="en-US" b="1" dirty="0">
+                <a:latin typeface="Open Sans" pitchFamily="2" charset="0"/>
+                <a:ea typeface="Open Sans" pitchFamily="2" charset="0"/>
+                <a:cs typeface="Open Sans" pitchFamily="2" charset="0"/>
+              </a:rPr>
+              <a:t>numeric code</a:t>
+            </a:r>
+            <a:r>
+              <a:rPr lang="en-US" dirty="0">
+                <a:latin typeface="Open Sans" pitchFamily="2" charset="0"/>
+                <a:ea typeface="Open Sans" pitchFamily="2" charset="0"/>
+                <a:cs typeface="Open Sans" pitchFamily="2" charset="0"/>
+              </a:rPr>
+              <a:t>, then represents that number in </a:t>
+            </a:r>
+            <a:r>
+              <a:rPr lang="en-US" b="1" dirty="0">
+                <a:latin typeface="Open Sans" pitchFamily="2" charset="0"/>
+                <a:ea typeface="Open Sans" pitchFamily="2" charset="0"/>
+                <a:cs typeface="Open Sans" pitchFamily="2" charset="0"/>
+              </a:rPr>
+              <a:t>binary form</a:t>
+            </a:r>
+            <a:r>
+              <a:rPr lang="en-US" dirty="0">
+                <a:latin typeface="Open Sans" pitchFamily="2" charset="0"/>
+                <a:ea typeface="Open Sans" pitchFamily="2" charset="0"/>
+                <a:cs typeface="Open Sans" pitchFamily="2" charset="0"/>
+              </a:rPr>
+              <a:t>.</a:t>
+            </a:r>
+          </a:p>
+        </p:txBody>
+      </p:sp>
+      <p:graphicFrame>
+        <p:nvGraphicFramePr>
+          <p:cNvPr id="10" name="Table 9">
+            <a:extLst>
+              <a:ext uri="{FF2B5EF4-FFF2-40B4-BE49-F238E27FC236}">
+                <a16:creationId xmlns:a16="http://schemas.microsoft.com/office/drawing/2014/main" id="{CA7DDB0F-431C-1E70-38B2-8052C416554B}"/>
+              </a:ext>
+            </a:extLst>
+          </p:cNvPr>
+          <p:cNvGraphicFramePr>
+            <a:graphicFrameLocks noGrp="1"/>
+          </p:cNvGraphicFramePr>
+          <p:nvPr>
+            <p:extLst>
+              <p:ext uri="{D42A27DB-BD31-4B8C-83A1-F6EECF244321}">
+                <p14:modId xmlns:p14="http://schemas.microsoft.com/office/powerpoint/2010/main" val="3761342844"/>
+              </p:ext>
+            </p:extLst>
+          </p:nvPr>
+        </p:nvGraphicFramePr>
+        <p:xfrm>
+          <a:off x="1963175" y="2668477"/>
+          <a:ext cx="2513106" cy="2987040"/>
+        </p:xfrm>
+        <a:graphic>
+          <a:graphicData uri="http://schemas.openxmlformats.org/drawingml/2006/table">
+            <a:tbl>
+              <a:tblPr firstRow="1" bandRow="1">
+                <a:tableStyleId>{5C22544A-7EE6-4342-B048-85BDC9FD1C3A}</a:tableStyleId>
+              </a:tblPr>
+              <a:tblGrid>
+                <a:gridCol w="1450788">
+                  <a:extLst>
+                    <a:ext uri="{9D8B030D-6E8A-4147-A177-3AD203B41FA5}">
+                      <a16:colId xmlns:a16="http://schemas.microsoft.com/office/drawing/2014/main" val="2201767368"/>
+                    </a:ext>
+                  </a:extLst>
+                </a:gridCol>
+                <a:gridCol w="1062318">
+                  <a:extLst>
+                    <a:ext uri="{9D8B030D-6E8A-4147-A177-3AD203B41FA5}">
+                      <a16:colId xmlns:a16="http://schemas.microsoft.com/office/drawing/2014/main" val="193965354"/>
+                    </a:ext>
+                  </a:extLst>
+                </a:gridCol>
+              </a:tblGrid>
+              <a:tr h="370840">
+                <a:tc>
+                  <a:txBody>
+                    <a:bodyPr/>
+                    <a:lstStyle/>
+                    <a:p>
+                      <a:pPr algn="l" fontAlgn="ctr">
+                        <a:buNone/>
+                      </a:pPr>
+                      <a:r>
+                        <a:rPr lang="en-US" sz="2400" dirty="0">
+                          <a:effectLst/>
+                          <a:latin typeface="Open Sans" pitchFamily="2" charset="0"/>
+                          <a:ea typeface="Open Sans" pitchFamily="2" charset="0"/>
+                          <a:cs typeface="Open Sans" pitchFamily="2" charset="0"/>
+                        </a:rPr>
+                        <a:t>Fruit</a:t>
+                      </a:r>
+                    </a:p>
+                  </a:txBody>
+                  <a:tcPr marL="60960" marR="60960" marT="30480" marB="30480" anchor="ctr"/>
+                </a:tc>
+                <a:tc>
+                  <a:txBody>
+                    <a:bodyPr/>
+                    <a:lstStyle/>
+                    <a:p>
+                      <a:pPr algn="l" fontAlgn="ctr">
+                        <a:buNone/>
+                      </a:pPr>
+                      <a:r>
+                        <a:rPr lang="en-US" sz="2400" dirty="0">
+                          <a:effectLst/>
+                          <a:latin typeface="Open Sans" pitchFamily="2" charset="0"/>
+                          <a:ea typeface="Open Sans" pitchFamily="2" charset="0"/>
+                          <a:cs typeface="Open Sans" pitchFamily="2" charset="0"/>
+                        </a:rPr>
+                        <a:t>Price</a:t>
+                      </a:r>
+                    </a:p>
+                  </a:txBody>
+                  <a:tcPr marL="60960" marR="60960" marT="30480" marB="30480" anchor="ctr"/>
+                </a:tc>
+                <a:extLst>
+                  <a:ext uri="{0D108BD9-81ED-4DB2-BD59-A6C34878D82A}">
+                    <a16:rowId xmlns:a16="http://schemas.microsoft.com/office/drawing/2014/main" val="4004185483"/>
+                  </a:ext>
+                </a:extLst>
+              </a:tr>
+              <a:tr h="370840">
+                <a:tc>
+                  <a:txBody>
+                    <a:bodyPr/>
+                    <a:lstStyle/>
+                    <a:p>
+                      <a:pPr>
+                        <a:buNone/>
+                      </a:pPr>
+                      <a:r>
+                        <a:rPr lang="en-US" sz="2400" dirty="0">
+                          <a:effectLst/>
+                          <a:latin typeface="Open Sans" pitchFamily="2" charset="0"/>
+                          <a:ea typeface="Open Sans" pitchFamily="2" charset="0"/>
+                          <a:cs typeface="Open Sans" pitchFamily="2" charset="0"/>
+                        </a:rPr>
+                        <a:t>Apple</a:t>
+                      </a:r>
+                    </a:p>
+                  </a:txBody>
+                  <a:tcPr marL="60960" marR="60960" marT="30480" marB="30480" anchor="ctr"/>
+                </a:tc>
+                <a:tc>
+                  <a:txBody>
+                    <a:bodyPr/>
+                    <a:lstStyle/>
+                    <a:p>
+                      <a:pPr>
+                        <a:buNone/>
+                      </a:pPr>
+                      <a:r>
+                        <a:rPr lang="en-US" sz="2400">
+                          <a:effectLst/>
+                          <a:latin typeface="Open Sans" pitchFamily="2" charset="0"/>
+                          <a:ea typeface="Open Sans" pitchFamily="2" charset="0"/>
+                          <a:cs typeface="Open Sans" pitchFamily="2" charset="0"/>
+                        </a:rPr>
+                        <a:t>1.2</a:t>
+                      </a:r>
+                    </a:p>
+                  </a:txBody>
+                  <a:tcPr marL="60960" marR="60960" marT="30480" marB="30480" anchor="ctr"/>
+                </a:tc>
+                <a:extLst>
+                  <a:ext uri="{0D108BD9-81ED-4DB2-BD59-A6C34878D82A}">
+                    <a16:rowId xmlns:a16="http://schemas.microsoft.com/office/drawing/2014/main" val="3823213009"/>
+                  </a:ext>
+                </a:extLst>
+              </a:tr>
+              <a:tr h="370840">
+                <a:tc>
+                  <a:txBody>
+                    <a:bodyPr/>
+                    <a:lstStyle/>
+                    <a:p>
+                      <a:pPr>
+                        <a:buNone/>
+                      </a:pPr>
+                      <a:r>
+                        <a:rPr lang="en-US" sz="2400" dirty="0">
+                          <a:effectLst/>
+                          <a:latin typeface="Open Sans" pitchFamily="2" charset="0"/>
+                          <a:ea typeface="Open Sans" pitchFamily="2" charset="0"/>
+                          <a:cs typeface="Open Sans" pitchFamily="2" charset="0"/>
+                        </a:rPr>
+                        <a:t>Banana</a:t>
+                      </a:r>
+                    </a:p>
+                  </a:txBody>
+                  <a:tcPr marL="60960" marR="60960" marT="30480" marB="30480" anchor="ctr"/>
+                </a:tc>
+                <a:tc>
+                  <a:txBody>
+                    <a:bodyPr/>
+                    <a:lstStyle/>
+                    <a:p>
+                      <a:pPr>
+                        <a:buNone/>
+                      </a:pPr>
+                      <a:r>
+                        <a:rPr lang="en-US" sz="2400" dirty="0">
+                          <a:effectLst/>
+                          <a:latin typeface="Open Sans" pitchFamily="2" charset="0"/>
+                          <a:ea typeface="Open Sans" pitchFamily="2" charset="0"/>
+                          <a:cs typeface="Open Sans" pitchFamily="2" charset="0"/>
+                        </a:rPr>
+                        <a:t>0.5</a:t>
+                      </a:r>
+                    </a:p>
+                  </a:txBody>
+                  <a:tcPr marL="60960" marR="60960" marT="30480" marB="30480" anchor="ctr"/>
+                </a:tc>
+                <a:extLst>
+                  <a:ext uri="{0D108BD9-81ED-4DB2-BD59-A6C34878D82A}">
+                    <a16:rowId xmlns:a16="http://schemas.microsoft.com/office/drawing/2014/main" val="4153810112"/>
+                  </a:ext>
+                </a:extLst>
+              </a:tr>
+              <a:tr h="370840">
+                <a:tc>
+                  <a:txBody>
+                    <a:bodyPr/>
+                    <a:lstStyle/>
+                    <a:p>
+                      <a:pPr>
+                        <a:buNone/>
+                      </a:pPr>
+                      <a:r>
+                        <a:rPr lang="en-US" sz="2400">
+                          <a:effectLst/>
+                          <a:latin typeface="Open Sans" pitchFamily="2" charset="0"/>
+                          <a:ea typeface="Open Sans" pitchFamily="2" charset="0"/>
+                          <a:cs typeface="Open Sans" pitchFamily="2" charset="0"/>
+                        </a:rPr>
+                        <a:t>Orange</a:t>
+                      </a:r>
+                    </a:p>
+                  </a:txBody>
+                  <a:tcPr marL="60960" marR="60960" marT="30480" marB="30480" anchor="ctr"/>
+                </a:tc>
+                <a:tc>
+                  <a:txBody>
+                    <a:bodyPr/>
+                    <a:lstStyle/>
+                    <a:p>
+                      <a:pPr>
+                        <a:buNone/>
+                      </a:pPr>
+                      <a:r>
+                        <a:rPr lang="en-US" sz="2400" dirty="0">
+                          <a:effectLst/>
+                          <a:latin typeface="Open Sans" pitchFamily="2" charset="0"/>
+                          <a:ea typeface="Open Sans" pitchFamily="2" charset="0"/>
+                          <a:cs typeface="Open Sans" pitchFamily="2" charset="0"/>
+                        </a:rPr>
+                        <a:t>0.8</a:t>
+                      </a:r>
+                    </a:p>
+                  </a:txBody>
+                  <a:tcPr marL="60960" marR="60960" marT="30480" marB="30480" anchor="ctr"/>
+                </a:tc>
+                <a:extLst>
+                  <a:ext uri="{0D108BD9-81ED-4DB2-BD59-A6C34878D82A}">
+                    <a16:rowId xmlns:a16="http://schemas.microsoft.com/office/drawing/2014/main" val="2983479845"/>
+                  </a:ext>
+                </a:extLst>
+              </a:tr>
+              <a:tr h="370840">
+                <a:tc>
+                  <a:txBody>
+                    <a:bodyPr/>
+                    <a:lstStyle/>
+                    <a:p>
+                      <a:pPr>
+                        <a:buNone/>
+                      </a:pPr>
+                      <a:r>
+                        <a:rPr lang="en-US" sz="2400">
+                          <a:effectLst/>
+                          <a:latin typeface="Open Sans" pitchFamily="2" charset="0"/>
+                          <a:ea typeface="Open Sans" pitchFamily="2" charset="0"/>
+                          <a:cs typeface="Open Sans" pitchFamily="2" charset="0"/>
+                        </a:rPr>
+                        <a:t>Apple</a:t>
+                      </a:r>
+                    </a:p>
+                  </a:txBody>
+                  <a:tcPr marL="60960" marR="60960" marT="30480" marB="30480" anchor="ctr"/>
+                </a:tc>
+                <a:tc>
+                  <a:txBody>
+                    <a:bodyPr/>
+                    <a:lstStyle/>
+                    <a:p>
+                      <a:pPr>
+                        <a:buNone/>
+                      </a:pPr>
+                      <a:r>
+                        <a:rPr lang="en-US" sz="2400" dirty="0">
+                          <a:effectLst/>
+                          <a:latin typeface="Open Sans" pitchFamily="2" charset="0"/>
+                          <a:ea typeface="Open Sans" pitchFamily="2" charset="0"/>
+                          <a:cs typeface="Open Sans" pitchFamily="2" charset="0"/>
+                        </a:rPr>
+                        <a:t>1.3</a:t>
+                      </a:r>
+                    </a:p>
+                  </a:txBody>
+                  <a:tcPr marL="60960" marR="60960" marT="30480" marB="30480" anchor="ctr"/>
+                </a:tc>
+                <a:extLst>
+                  <a:ext uri="{0D108BD9-81ED-4DB2-BD59-A6C34878D82A}">
+                    <a16:rowId xmlns:a16="http://schemas.microsoft.com/office/drawing/2014/main" val="1133860855"/>
+                  </a:ext>
+                </a:extLst>
+              </a:tr>
+              <a:tr h="370840">
+                <a:tc>
+                  <a:txBody>
+                    <a:bodyPr/>
+                    <a:lstStyle/>
+                    <a:p>
+                      <a:pPr>
+                        <a:buNone/>
+                      </a:pPr>
+                      <a:r>
+                        <a:rPr lang="en-US" sz="2400">
+                          <a:effectLst/>
+                          <a:latin typeface="Open Sans" pitchFamily="2" charset="0"/>
+                          <a:ea typeface="Open Sans" pitchFamily="2" charset="0"/>
+                          <a:cs typeface="Open Sans" pitchFamily="2" charset="0"/>
+                        </a:rPr>
+                        <a:t>Orange</a:t>
+                      </a:r>
+                    </a:p>
+                  </a:txBody>
+                  <a:tcPr marL="60960" marR="60960" marT="30480" marB="30480" anchor="ctr"/>
+                </a:tc>
+                <a:tc>
+                  <a:txBody>
+                    <a:bodyPr/>
+                    <a:lstStyle/>
+                    <a:p>
+                      <a:pPr>
+                        <a:buNone/>
+                      </a:pPr>
+                      <a:r>
+                        <a:rPr lang="en-US" sz="2400" dirty="0">
+                          <a:effectLst/>
+                          <a:latin typeface="Open Sans" pitchFamily="2" charset="0"/>
+                          <a:ea typeface="Open Sans" pitchFamily="2" charset="0"/>
+                          <a:cs typeface="Open Sans" pitchFamily="2" charset="0"/>
+                        </a:rPr>
+                        <a:t>0.9</a:t>
+                      </a:r>
+                    </a:p>
+                  </a:txBody>
+                  <a:tcPr marL="60960" marR="60960" marT="30480" marB="30480" anchor="ctr"/>
+                </a:tc>
+                <a:extLst>
+                  <a:ext uri="{0D108BD9-81ED-4DB2-BD59-A6C34878D82A}">
+                    <a16:rowId xmlns:a16="http://schemas.microsoft.com/office/drawing/2014/main" val="190990351"/>
+                  </a:ext>
+                </a:extLst>
+              </a:tr>
+              <a:tr h="370840">
+                <a:tc>
+                  <a:txBody>
+                    <a:bodyPr/>
+                    <a:lstStyle/>
+                    <a:p>
+                      <a:pPr>
+                        <a:buNone/>
+                      </a:pPr>
+                      <a:r>
+                        <a:rPr lang="en-US" sz="2400" dirty="0">
+                          <a:effectLst/>
+                          <a:latin typeface="Open Sans" pitchFamily="2" charset="0"/>
+                          <a:ea typeface="Open Sans" pitchFamily="2" charset="0"/>
+                          <a:cs typeface="Open Sans" pitchFamily="2" charset="0"/>
+                        </a:rPr>
+                        <a:t>Banana</a:t>
+                      </a:r>
+                    </a:p>
+                  </a:txBody>
+                  <a:tcPr marL="60960" marR="60960" marT="30480" marB="30480" anchor="ctr"/>
+                </a:tc>
+                <a:tc>
+                  <a:txBody>
+                    <a:bodyPr/>
+                    <a:lstStyle/>
+                    <a:p>
+                      <a:pPr>
+                        <a:buNone/>
+                      </a:pPr>
+                      <a:r>
+                        <a:rPr lang="en-US" sz="2400" dirty="0">
+                          <a:effectLst/>
+                          <a:latin typeface="Open Sans" pitchFamily="2" charset="0"/>
+                          <a:ea typeface="Open Sans" pitchFamily="2" charset="0"/>
+                          <a:cs typeface="Open Sans" pitchFamily="2" charset="0"/>
+                        </a:rPr>
+                        <a:t>0.6</a:t>
+                      </a:r>
+                    </a:p>
+                  </a:txBody>
+                  <a:tcPr marL="60960" marR="60960" marT="30480" marB="30480" anchor="ctr"/>
+                </a:tc>
+                <a:extLst>
+                  <a:ext uri="{0D108BD9-81ED-4DB2-BD59-A6C34878D82A}">
+                    <a16:rowId xmlns:a16="http://schemas.microsoft.com/office/drawing/2014/main" val="1650560543"/>
+                  </a:ext>
+                </a:extLst>
+              </a:tr>
+            </a:tbl>
+          </a:graphicData>
+        </a:graphic>
+      </p:graphicFrame>
+      <p:graphicFrame>
+        <p:nvGraphicFramePr>
+          <p:cNvPr id="11" name="Table 10">
+            <a:extLst>
+              <a:ext uri="{FF2B5EF4-FFF2-40B4-BE49-F238E27FC236}">
+                <a16:creationId xmlns:a16="http://schemas.microsoft.com/office/drawing/2014/main" id="{F831B390-6650-7D22-D18C-859CAD7B3079}"/>
+              </a:ext>
+            </a:extLst>
+          </p:cNvPr>
+          <p:cNvGraphicFramePr>
+            <a:graphicFrameLocks noGrp="1"/>
+          </p:cNvGraphicFramePr>
+          <p:nvPr>
+            <p:extLst>
+              <p:ext uri="{D42A27DB-BD31-4B8C-83A1-F6EECF244321}">
+                <p14:modId xmlns:p14="http://schemas.microsoft.com/office/powerpoint/2010/main" val="2584206706"/>
+              </p:ext>
+            </p:extLst>
+          </p:nvPr>
+        </p:nvGraphicFramePr>
+        <p:xfrm>
+          <a:off x="5809754" y="2668477"/>
+          <a:ext cx="3536634" cy="3017520"/>
+        </p:xfrm>
+        <a:graphic>
+          <a:graphicData uri="http://schemas.openxmlformats.org/drawingml/2006/table">
+            <a:tbl>
+              <a:tblPr firstRow="1" bandRow="1">
+                <a:tableStyleId>{5C22544A-7EE6-4342-B048-85BDC9FD1C3A}</a:tableStyleId>
+              </a:tblPr>
+              <a:tblGrid>
+                <a:gridCol w="1231583">
+                  <a:extLst>
+                    <a:ext uri="{9D8B030D-6E8A-4147-A177-3AD203B41FA5}">
+                      <a16:colId xmlns:a16="http://schemas.microsoft.com/office/drawing/2014/main" val="2753440174"/>
+                    </a:ext>
+                  </a:extLst>
+                </a:gridCol>
+                <a:gridCol w="1282383">
+                  <a:extLst>
+                    <a:ext uri="{9D8B030D-6E8A-4147-A177-3AD203B41FA5}">
+                      <a16:colId xmlns:a16="http://schemas.microsoft.com/office/drawing/2014/main" val="2201767368"/>
+                    </a:ext>
+                  </a:extLst>
+                </a:gridCol>
+                <a:gridCol w="1022668">
+                  <a:extLst>
+                    <a:ext uri="{9D8B030D-6E8A-4147-A177-3AD203B41FA5}">
+                      <a16:colId xmlns:a16="http://schemas.microsoft.com/office/drawing/2014/main" val="193965354"/>
+                    </a:ext>
+                  </a:extLst>
+                </a:gridCol>
+              </a:tblGrid>
+              <a:tr h="370840">
+                <a:tc>
+                  <a:txBody>
+                    <a:bodyPr/>
+                    <a:lstStyle/>
+                    <a:p>
+                      <a:pPr algn="r" fontAlgn="ctr">
+                        <a:buNone/>
+                      </a:pPr>
+                      <a:r>
+                        <a:rPr lang="en-US" sz="2400" dirty="0">
+                          <a:effectLst/>
+                          <a:latin typeface="Open Sans" pitchFamily="2" charset="0"/>
+                          <a:ea typeface="Open Sans" pitchFamily="2" charset="0"/>
+                          <a:cs typeface="Open Sans" pitchFamily="2" charset="0"/>
+                        </a:rPr>
+                        <a:t>Fruit_0</a:t>
+                      </a:r>
+                    </a:p>
+                  </a:txBody>
+                  <a:tcPr marL="60960" marR="60960" marT="30480" marB="30480" anchor="ctr"/>
+                </a:tc>
+                <a:tc>
+                  <a:txBody>
+                    <a:bodyPr/>
+                    <a:lstStyle/>
+                    <a:p>
+                      <a:pPr algn="r" fontAlgn="ctr">
+                        <a:buNone/>
+                      </a:pPr>
+                      <a:r>
+                        <a:rPr lang="en-US" sz="2400" dirty="0">
+                          <a:effectLst/>
+                          <a:latin typeface="Open Sans" pitchFamily="2" charset="0"/>
+                          <a:ea typeface="Open Sans" pitchFamily="2" charset="0"/>
+                          <a:cs typeface="Open Sans" pitchFamily="2" charset="0"/>
+                        </a:rPr>
+                        <a:t>Fruit_1</a:t>
+                      </a:r>
+                    </a:p>
+                  </a:txBody>
+                  <a:tcPr marL="60960" marR="60960" marT="30480" marB="30480" anchor="ctr"/>
+                </a:tc>
+                <a:tc>
+                  <a:txBody>
+                    <a:bodyPr/>
+                    <a:lstStyle/>
+                    <a:p>
+                      <a:pPr marL="0" marR="0" lvl="0" indent="0" algn="l" defTabSz="914400" rtl="0" eaLnBrk="1" fontAlgn="auto" latinLnBrk="0" hangingPunct="1">
+                        <a:lnSpc>
+                          <a:spcPct val="100000"/>
+                        </a:lnSpc>
+                        <a:spcBef>
+                          <a:spcPts val="0"/>
+                        </a:spcBef>
+                        <a:spcAft>
+                          <a:spcPts val="0"/>
+                        </a:spcAft>
+                        <a:buClrTx/>
+                        <a:buSzTx/>
+                        <a:buFontTx/>
+                        <a:buNone/>
+                        <a:tabLst/>
+                        <a:defRPr/>
+                      </a:pPr>
+                      <a:r>
+                        <a:rPr lang="en-US" sz="2400" dirty="0">
+                          <a:effectLst/>
+                          <a:latin typeface="Open Sans" pitchFamily="2" charset="0"/>
+                          <a:ea typeface="Open Sans" pitchFamily="2" charset="0"/>
+                          <a:cs typeface="Open Sans" pitchFamily="2" charset="0"/>
+                        </a:rPr>
+                        <a:t>Price</a:t>
+                      </a:r>
+                    </a:p>
+                  </a:txBody>
+                  <a:tcPr/>
+                </a:tc>
+                <a:extLst>
+                  <a:ext uri="{0D108BD9-81ED-4DB2-BD59-A6C34878D82A}">
+                    <a16:rowId xmlns:a16="http://schemas.microsoft.com/office/drawing/2014/main" val="4004185483"/>
+                  </a:ext>
+                </a:extLst>
+              </a:tr>
+              <a:tr h="370840">
+                <a:tc>
+                  <a:txBody>
+                    <a:bodyPr/>
+                    <a:lstStyle/>
+                    <a:p>
+                      <a:pPr>
+                        <a:buNone/>
+                      </a:pPr>
+                      <a:r>
+                        <a:rPr lang="en-US" sz="2400" dirty="0">
+                          <a:effectLst/>
+                          <a:latin typeface="Open Sans" pitchFamily="2" charset="0"/>
+                          <a:ea typeface="Open Sans" pitchFamily="2" charset="0"/>
+                          <a:cs typeface="Open Sans" pitchFamily="2" charset="0"/>
+                        </a:rPr>
+                        <a:t>0</a:t>
+                      </a:r>
+                    </a:p>
+                  </a:txBody>
+                  <a:tcPr marL="60960" marR="60960" marT="30480" marB="30480" anchor="ctr"/>
+                </a:tc>
+                <a:tc>
+                  <a:txBody>
+                    <a:bodyPr/>
+                    <a:lstStyle/>
+                    <a:p>
+                      <a:pPr>
+                        <a:buNone/>
+                      </a:pPr>
+                      <a:r>
+                        <a:rPr lang="en-US" sz="2400">
+                          <a:effectLst/>
+                          <a:latin typeface="Open Sans" pitchFamily="2" charset="0"/>
+                          <a:ea typeface="Open Sans" pitchFamily="2" charset="0"/>
+                          <a:cs typeface="Open Sans" pitchFamily="2" charset="0"/>
+                        </a:rPr>
+                        <a:t>1</a:t>
+                      </a:r>
+                    </a:p>
+                  </a:txBody>
+                  <a:tcPr marL="60960" marR="60960" marT="30480" marB="30480" anchor="ctr"/>
+                </a:tc>
+                <a:tc>
+                  <a:txBody>
+                    <a:bodyPr/>
+                    <a:lstStyle/>
+                    <a:p>
+                      <a:pPr>
+                        <a:buNone/>
+                      </a:pPr>
+                      <a:r>
+                        <a:rPr lang="en-US" sz="2400">
+                          <a:effectLst/>
+                          <a:latin typeface="Open Sans" pitchFamily="2" charset="0"/>
+                          <a:ea typeface="Open Sans" pitchFamily="2" charset="0"/>
+                          <a:cs typeface="Open Sans" pitchFamily="2" charset="0"/>
+                        </a:rPr>
+                        <a:t>1.2</a:t>
+                      </a:r>
+                    </a:p>
+                  </a:txBody>
+                  <a:tcPr marL="60960" marR="60960" marT="30480" marB="30480" anchor="ctr"/>
+                </a:tc>
+                <a:extLst>
+                  <a:ext uri="{0D108BD9-81ED-4DB2-BD59-A6C34878D82A}">
+                    <a16:rowId xmlns:a16="http://schemas.microsoft.com/office/drawing/2014/main" val="3823213009"/>
+                  </a:ext>
+                </a:extLst>
+              </a:tr>
+              <a:tr h="370840">
+                <a:tc>
+                  <a:txBody>
+                    <a:bodyPr/>
+                    <a:lstStyle/>
+                    <a:p>
+                      <a:pPr>
+                        <a:buNone/>
+                      </a:pPr>
+                      <a:r>
+                        <a:rPr lang="en-US" sz="2400">
+                          <a:effectLst/>
+                          <a:latin typeface="Open Sans" pitchFamily="2" charset="0"/>
+                          <a:ea typeface="Open Sans" pitchFamily="2" charset="0"/>
+                          <a:cs typeface="Open Sans" pitchFamily="2" charset="0"/>
+                        </a:rPr>
+                        <a:t>1</a:t>
+                      </a:r>
+                    </a:p>
+                  </a:txBody>
+                  <a:tcPr marL="60960" marR="60960" marT="30480" marB="30480" anchor="ctr"/>
+                </a:tc>
+                <a:tc>
+                  <a:txBody>
+                    <a:bodyPr/>
+                    <a:lstStyle/>
+                    <a:p>
+                      <a:pPr>
+                        <a:buNone/>
+                      </a:pPr>
+                      <a:r>
+                        <a:rPr lang="en-US" sz="2400">
+                          <a:effectLst/>
+                          <a:latin typeface="Open Sans" pitchFamily="2" charset="0"/>
+                          <a:ea typeface="Open Sans" pitchFamily="2" charset="0"/>
+                          <a:cs typeface="Open Sans" pitchFamily="2" charset="0"/>
+                        </a:rPr>
+                        <a:t>0</a:t>
+                      </a:r>
+                    </a:p>
+                  </a:txBody>
+                  <a:tcPr marL="60960" marR="60960" marT="30480" marB="30480" anchor="ctr"/>
+                </a:tc>
+                <a:tc>
+                  <a:txBody>
+                    <a:bodyPr/>
+                    <a:lstStyle/>
+                    <a:p>
+                      <a:pPr>
+                        <a:buNone/>
+                      </a:pPr>
+                      <a:r>
+                        <a:rPr lang="en-US" sz="2400">
+                          <a:effectLst/>
+                          <a:latin typeface="Open Sans" pitchFamily="2" charset="0"/>
+                          <a:ea typeface="Open Sans" pitchFamily="2" charset="0"/>
+                          <a:cs typeface="Open Sans" pitchFamily="2" charset="0"/>
+                        </a:rPr>
+                        <a:t>0.5</a:t>
+                      </a:r>
+                    </a:p>
+                  </a:txBody>
+                  <a:tcPr marL="60960" marR="60960" marT="30480" marB="30480" anchor="ctr"/>
+                </a:tc>
+                <a:extLst>
+                  <a:ext uri="{0D108BD9-81ED-4DB2-BD59-A6C34878D82A}">
+                    <a16:rowId xmlns:a16="http://schemas.microsoft.com/office/drawing/2014/main" val="4153810112"/>
+                  </a:ext>
+                </a:extLst>
+              </a:tr>
+              <a:tr h="370840">
+                <a:tc>
+                  <a:txBody>
+                    <a:bodyPr/>
+                    <a:lstStyle/>
+                    <a:p>
+                      <a:pPr>
+                        <a:buNone/>
+                      </a:pPr>
+                      <a:r>
+                        <a:rPr lang="en-US" sz="2400">
+                          <a:effectLst/>
+                          <a:latin typeface="Open Sans" pitchFamily="2" charset="0"/>
+                          <a:ea typeface="Open Sans" pitchFamily="2" charset="0"/>
+                          <a:cs typeface="Open Sans" pitchFamily="2" charset="0"/>
+                        </a:rPr>
+                        <a:t>1</a:t>
+                      </a:r>
+                    </a:p>
+                  </a:txBody>
+                  <a:tcPr marL="60960" marR="60960" marT="30480" marB="30480" anchor="ctr"/>
+                </a:tc>
+                <a:tc>
+                  <a:txBody>
+                    <a:bodyPr/>
+                    <a:lstStyle/>
+                    <a:p>
+                      <a:pPr>
+                        <a:buNone/>
+                      </a:pPr>
+                      <a:r>
+                        <a:rPr lang="en-US" sz="2400">
+                          <a:effectLst/>
+                          <a:latin typeface="Open Sans" pitchFamily="2" charset="0"/>
+                          <a:ea typeface="Open Sans" pitchFamily="2" charset="0"/>
+                          <a:cs typeface="Open Sans" pitchFamily="2" charset="0"/>
+                        </a:rPr>
+                        <a:t>1</a:t>
+                      </a:r>
+                    </a:p>
+                  </a:txBody>
+                  <a:tcPr marL="60960" marR="60960" marT="30480" marB="30480" anchor="ctr"/>
+                </a:tc>
+                <a:tc>
+                  <a:txBody>
+                    <a:bodyPr/>
+                    <a:lstStyle/>
+                    <a:p>
+                      <a:pPr>
+                        <a:buNone/>
+                      </a:pPr>
+                      <a:r>
+                        <a:rPr lang="en-US" sz="2400">
+                          <a:effectLst/>
+                          <a:latin typeface="Open Sans" pitchFamily="2" charset="0"/>
+                          <a:ea typeface="Open Sans" pitchFamily="2" charset="0"/>
+                          <a:cs typeface="Open Sans" pitchFamily="2" charset="0"/>
+                        </a:rPr>
+                        <a:t>0.8</a:t>
+                      </a:r>
+                    </a:p>
+                  </a:txBody>
+                  <a:tcPr marL="60960" marR="60960" marT="30480" marB="30480" anchor="ctr"/>
+                </a:tc>
+                <a:extLst>
+                  <a:ext uri="{0D108BD9-81ED-4DB2-BD59-A6C34878D82A}">
+                    <a16:rowId xmlns:a16="http://schemas.microsoft.com/office/drawing/2014/main" val="2983479845"/>
+                  </a:ext>
+                </a:extLst>
+              </a:tr>
+              <a:tr h="370840">
+                <a:tc>
+                  <a:txBody>
+                    <a:bodyPr/>
+                    <a:lstStyle/>
+                    <a:p>
+                      <a:pPr>
+                        <a:buNone/>
+                      </a:pPr>
+                      <a:r>
+                        <a:rPr lang="en-US" sz="2400">
+                          <a:effectLst/>
+                          <a:latin typeface="Open Sans" pitchFamily="2" charset="0"/>
+                          <a:ea typeface="Open Sans" pitchFamily="2" charset="0"/>
+                          <a:cs typeface="Open Sans" pitchFamily="2" charset="0"/>
+                        </a:rPr>
+                        <a:t>0</a:t>
+                      </a:r>
+                    </a:p>
+                  </a:txBody>
+                  <a:tcPr marL="60960" marR="60960" marT="30480" marB="30480" anchor="ctr"/>
+                </a:tc>
+                <a:tc>
+                  <a:txBody>
+                    <a:bodyPr/>
+                    <a:lstStyle/>
+                    <a:p>
+                      <a:pPr>
+                        <a:buNone/>
+                      </a:pPr>
+                      <a:r>
+                        <a:rPr lang="en-US" sz="2400">
+                          <a:effectLst/>
+                          <a:latin typeface="Open Sans" pitchFamily="2" charset="0"/>
+                          <a:ea typeface="Open Sans" pitchFamily="2" charset="0"/>
+                          <a:cs typeface="Open Sans" pitchFamily="2" charset="0"/>
+                        </a:rPr>
+                        <a:t>1</a:t>
+                      </a:r>
+                    </a:p>
+                  </a:txBody>
+                  <a:tcPr marL="60960" marR="60960" marT="30480" marB="30480" anchor="ctr"/>
+                </a:tc>
+                <a:tc>
+                  <a:txBody>
+                    <a:bodyPr/>
+                    <a:lstStyle/>
+                    <a:p>
+                      <a:pPr>
+                        <a:buNone/>
+                      </a:pPr>
+                      <a:r>
+                        <a:rPr lang="en-US" sz="2400">
+                          <a:effectLst/>
+                          <a:latin typeface="Open Sans" pitchFamily="2" charset="0"/>
+                          <a:ea typeface="Open Sans" pitchFamily="2" charset="0"/>
+                          <a:cs typeface="Open Sans" pitchFamily="2" charset="0"/>
+                        </a:rPr>
+                        <a:t>1.3</a:t>
+                      </a:r>
+                    </a:p>
+                  </a:txBody>
+                  <a:tcPr marL="60960" marR="60960" marT="30480" marB="30480" anchor="ctr"/>
+                </a:tc>
+                <a:extLst>
+                  <a:ext uri="{0D108BD9-81ED-4DB2-BD59-A6C34878D82A}">
+                    <a16:rowId xmlns:a16="http://schemas.microsoft.com/office/drawing/2014/main" val="1133860855"/>
+                  </a:ext>
+                </a:extLst>
+              </a:tr>
+              <a:tr h="370840">
+                <a:tc>
+                  <a:txBody>
+                    <a:bodyPr/>
+                    <a:lstStyle/>
+                    <a:p>
+                      <a:pPr>
+                        <a:buNone/>
+                      </a:pPr>
+                      <a:r>
+                        <a:rPr lang="en-US" sz="2400" dirty="0">
+                          <a:effectLst/>
+                          <a:latin typeface="Open Sans" pitchFamily="2" charset="0"/>
+                          <a:ea typeface="Open Sans" pitchFamily="2" charset="0"/>
+                          <a:cs typeface="Open Sans" pitchFamily="2" charset="0"/>
+                        </a:rPr>
+                        <a:t>1</a:t>
+                      </a:r>
+                    </a:p>
+                  </a:txBody>
+                  <a:tcPr marL="60960" marR="60960" marT="30480" marB="30480" anchor="ctr"/>
+                </a:tc>
+                <a:tc>
+                  <a:txBody>
+                    <a:bodyPr/>
+                    <a:lstStyle/>
+                    <a:p>
+                      <a:pPr>
+                        <a:buNone/>
+                      </a:pPr>
+                      <a:r>
+                        <a:rPr lang="en-US" sz="2400">
+                          <a:effectLst/>
+                          <a:latin typeface="Open Sans" pitchFamily="2" charset="0"/>
+                          <a:ea typeface="Open Sans" pitchFamily="2" charset="0"/>
+                          <a:cs typeface="Open Sans" pitchFamily="2" charset="0"/>
+                        </a:rPr>
+                        <a:t>1</a:t>
+                      </a:r>
+                    </a:p>
+                  </a:txBody>
+                  <a:tcPr marL="60960" marR="60960" marT="30480" marB="30480" anchor="ctr"/>
+                </a:tc>
+                <a:tc>
+                  <a:txBody>
+                    <a:bodyPr/>
+                    <a:lstStyle/>
+                    <a:p>
+                      <a:pPr>
+                        <a:buNone/>
+                      </a:pPr>
+                      <a:r>
+                        <a:rPr lang="en-US" sz="2400">
+                          <a:effectLst/>
+                          <a:latin typeface="Open Sans" pitchFamily="2" charset="0"/>
+                          <a:ea typeface="Open Sans" pitchFamily="2" charset="0"/>
+                          <a:cs typeface="Open Sans" pitchFamily="2" charset="0"/>
+                        </a:rPr>
+                        <a:t>0.9</a:t>
+                      </a:r>
+                    </a:p>
+                  </a:txBody>
+                  <a:tcPr marL="60960" marR="60960" marT="30480" marB="30480" anchor="ctr"/>
+                </a:tc>
+                <a:extLst>
+                  <a:ext uri="{0D108BD9-81ED-4DB2-BD59-A6C34878D82A}">
+                    <a16:rowId xmlns:a16="http://schemas.microsoft.com/office/drawing/2014/main" val="190990351"/>
+                  </a:ext>
+                </a:extLst>
+              </a:tr>
+              <a:tr h="370840">
+                <a:tc>
+                  <a:txBody>
+                    <a:bodyPr/>
+                    <a:lstStyle/>
+                    <a:p>
+                      <a:pPr>
+                        <a:buNone/>
+                      </a:pPr>
+                      <a:r>
+                        <a:rPr lang="en-US" sz="2400" dirty="0">
+                          <a:effectLst/>
+                          <a:latin typeface="Open Sans" pitchFamily="2" charset="0"/>
+                          <a:ea typeface="Open Sans" pitchFamily="2" charset="0"/>
+                          <a:cs typeface="Open Sans" pitchFamily="2" charset="0"/>
+                        </a:rPr>
+                        <a:t>1</a:t>
+                      </a:r>
+                    </a:p>
+                  </a:txBody>
+                  <a:tcPr marL="60960" marR="60960" marT="30480" marB="30480" anchor="ctr"/>
+                </a:tc>
+                <a:tc>
+                  <a:txBody>
+                    <a:bodyPr/>
+                    <a:lstStyle/>
+                    <a:p>
+                      <a:pPr>
+                        <a:buNone/>
+                      </a:pPr>
+                      <a:r>
+                        <a:rPr lang="en-US" sz="2400">
+                          <a:effectLst/>
+                          <a:latin typeface="Open Sans" pitchFamily="2" charset="0"/>
+                          <a:ea typeface="Open Sans" pitchFamily="2" charset="0"/>
+                          <a:cs typeface="Open Sans" pitchFamily="2" charset="0"/>
+                        </a:rPr>
+                        <a:t>0</a:t>
+                      </a:r>
+                    </a:p>
+                  </a:txBody>
+                  <a:tcPr marL="60960" marR="60960" marT="30480" marB="30480" anchor="ctr"/>
+                </a:tc>
+                <a:tc>
+                  <a:txBody>
+                    <a:bodyPr/>
+                    <a:lstStyle/>
+                    <a:p>
+                      <a:pPr>
+                        <a:buNone/>
+                      </a:pPr>
+                      <a:r>
+                        <a:rPr lang="en-US" sz="2400" dirty="0">
+                          <a:effectLst/>
+                          <a:latin typeface="Open Sans" pitchFamily="2" charset="0"/>
+                          <a:ea typeface="Open Sans" pitchFamily="2" charset="0"/>
+                          <a:cs typeface="Open Sans" pitchFamily="2" charset="0"/>
+                        </a:rPr>
+                        <a:t>0.6</a:t>
+                      </a:r>
+                    </a:p>
+                  </a:txBody>
+                  <a:tcPr marL="60960" marR="60960" marT="30480" marB="30480" anchor="ctr"/>
+                </a:tc>
+                <a:extLst>
+                  <a:ext uri="{0D108BD9-81ED-4DB2-BD59-A6C34878D82A}">
+                    <a16:rowId xmlns:a16="http://schemas.microsoft.com/office/drawing/2014/main" val="1650560543"/>
+                  </a:ext>
+                </a:extLst>
+              </a:tr>
+            </a:tbl>
+          </a:graphicData>
+        </a:graphic>
+      </p:graphicFrame>
+      <p:cxnSp>
+        <p:nvCxnSpPr>
+          <p:cNvPr id="12" name="Straight Arrow Connector 11">
+            <a:extLst>
+              <a:ext uri="{FF2B5EF4-FFF2-40B4-BE49-F238E27FC236}">
+                <a16:creationId xmlns:a16="http://schemas.microsoft.com/office/drawing/2014/main" id="{65D9DB4C-86FA-01F1-521A-272184052835}"/>
+              </a:ext>
+            </a:extLst>
+          </p:cNvPr>
+          <p:cNvCxnSpPr>
+            <a:cxnSpLocks/>
+            <a:stCxn id="10" idx="3"/>
+            <a:endCxn id="11" idx="1"/>
+          </p:cNvCxnSpPr>
+          <p:nvPr/>
+        </p:nvCxnSpPr>
+        <p:spPr>
+          <a:xfrm>
+            <a:off x="4476281" y="4161997"/>
+            <a:ext cx="1333473" cy="15240"/>
+          </a:xfrm>
+          <a:prstGeom prst="straightConnector1">
+            <a:avLst/>
+          </a:prstGeom>
+          <a:ln w="76200">
+            <a:tailEnd type="triangle"/>
+          </a:ln>
+        </p:spPr>
+        <p:style>
+          <a:lnRef idx="1">
+            <a:schemeClr val="accent1"/>
+          </a:lnRef>
+          <a:fillRef idx="0">
+            <a:schemeClr val="accent1"/>
+          </a:fillRef>
+          <a:effectRef idx="0">
+            <a:schemeClr val="accent1"/>
+          </a:effectRef>
+          <a:fontRef idx="minor">
+            <a:schemeClr val="tx1"/>
+          </a:fontRef>
+        </p:style>
+      </p:cxnSp>
     </p:spTree>
     <p:extLst>
       <p:ext uri="{BB962C8B-B14F-4D97-AF65-F5344CB8AC3E}">
-        <p14:creationId xmlns:p14="http://schemas.microsoft.com/office/powerpoint/2010/main" val="3638305441"/>
+        <p14:creationId xmlns:p14="http://schemas.microsoft.com/office/powerpoint/2010/main" val="1846840860"/>
       </p:ext>
     </p:extLst>
   </p:cSld>
@@ -3861,7 +4560,7 @@
               <a:rPr lang="en-US" sz="3600" dirty="0">
                 <a:latin typeface="Bebas Neue" panose="020B0606020202050201" pitchFamily="34" charset="0"/>
               </a:rPr>
-              <a:t>Binary encoding</a:t>
+              <a:t>Why Binary encoding</a:t>
             </a:r>
             <a:endParaRPr lang="en-US" sz="3600" dirty="0"/>
           </a:p>
@@ -3895,16 +4594,178 @@
           </a:bodyPr>
           <a:lstStyle/>
           <a:p>
-            <a:pPr marL="0" indent="0" algn="just">
+            <a:pPr marL="0" indent="0">
               <a:buNone/>
             </a:pPr>
             <a:r>
-              <a:rPr lang="en-US" sz="2400" dirty="0">
+              <a:rPr lang="en-US" sz="2400" b="1" dirty="0">
                 <a:latin typeface="Open Sans" pitchFamily="2" charset="0"/>
                 <a:ea typeface="Open Sans" pitchFamily="2" charset="0"/>
                 <a:cs typeface="Open Sans" pitchFamily="2" charset="0"/>
               </a:rPr>
-              <a:t>H</a:t>
+              <a:t>🎯 1. To reduce dimensionality</a:t>
+            </a:r>
+          </a:p>
+          <a:p>
+            <a:pPr lvl="1"/>
+            <a:r>
+              <a:rPr lang="en-US" sz="2200" b="1" dirty="0">
+                <a:latin typeface="Open Sans" pitchFamily="2" charset="0"/>
+                <a:ea typeface="Open Sans" pitchFamily="2" charset="0"/>
+                <a:cs typeface="Open Sans" pitchFamily="2" charset="0"/>
+              </a:rPr>
+              <a:t>One-Hot Encoding</a:t>
+            </a:r>
+            <a:r>
+              <a:rPr lang="en-US" sz="2200" dirty="0">
+                <a:latin typeface="Open Sans" pitchFamily="2" charset="0"/>
+                <a:ea typeface="Open Sans" pitchFamily="2" charset="0"/>
+                <a:cs typeface="Open Sans" pitchFamily="2" charset="0"/>
+              </a:rPr>
+              <a:t> creates one new column per category → can explode your dataset (hundreds of columns).</a:t>
+            </a:r>
+          </a:p>
+          <a:p>
+            <a:pPr lvl="1"/>
+            <a:r>
+              <a:rPr lang="en-US" sz="2200" b="1" dirty="0">
+                <a:latin typeface="Open Sans" pitchFamily="2" charset="0"/>
+                <a:ea typeface="Open Sans" pitchFamily="2" charset="0"/>
+                <a:cs typeface="Open Sans" pitchFamily="2" charset="0"/>
+              </a:rPr>
+              <a:t>Binary Encoding</a:t>
+            </a:r>
+            <a:r>
+              <a:rPr lang="en-US" sz="2200" dirty="0">
+                <a:latin typeface="Open Sans" pitchFamily="2" charset="0"/>
+                <a:ea typeface="Open Sans" pitchFamily="2" charset="0"/>
+                <a:cs typeface="Open Sans" pitchFamily="2" charset="0"/>
+              </a:rPr>
+              <a:t> uses fewer columns because each category is represented in </a:t>
+            </a:r>
+            <a:r>
+              <a:rPr lang="en-US" sz="2200" b="1" dirty="0">
+                <a:latin typeface="Open Sans" pitchFamily="2" charset="0"/>
+                <a:ea typeface="Open Sans" pitchFamily="2" charset="0"/>
+                <a:cs typeface="Open Sans" pitchFamily="2" charset="0"/>
+              </a:rPr>
+              <a:t>binary digits</a:t>
+            </a:r>
+            <a:r>
+              <a:rPr lang="en-US" sz="2200" dirty="0">
+                <a:latin typeface="Open Sans" pitchFamily="2" charset="0"/>
+                <a:ea typeface="Open Sans" pitchFamily="2" charset="0"/>
+                <a:cs typeface="Open Sans" pitchFamily="2" charset="0"/>
+              </a:rPr>
+              <a:t> (bits).</a:t>
+            </a:r>
+            <a:br>
+              <a:rPr lang="en-US" sz="2200" dirty="0">
+                <a:latin typeface="Open Sans" pitchFamily="2" charset="0"/>
+                <a:ea typeface="Open Sans" pitchFamily="2" charset="0"/>
+                <a:cs typeface="Open Sans" pitchFamily="2" charset="0"/>
+              </a:rPr>
+            </a:br>
+            <a:r>
+              <a:rPr lang="en-US" sz="2200" dirty="0">
+                <a:latin typeface="Open Sans" pitchFamily="2" charset="0"/>
+                <a:ea typeface="Open Sans" pitchFamily="2" charset="0"/>
+                <a:cs typeface="Open Sans" pitchFamily="2" charset="0"/>
+              </a:rPr>
+              <a:t>For example, 100 categories need only </a:t>
+            </a:r>
+            <a:r>
+              <a:rPr lang="en-US" sz="2200" b="1" dirty="0">
+                <a:latin typeface="Open Sans" pitchFamily="2" charset="0"/>
+                <a:ea typeface="Open Sans" pitchFamily="2" charset="0"/>
+                <a:cs typeface="Open Sans" pitchFamily="2" charset="0"/>
+              </a:rPr>
+              <a:t>7 binary columns</a:t>
+            </a:r>
+            <a:r>
+              <a:rPr lang="en-US" sz="2200" dirty="0">
+                <a:latin typeface="Open Sans" pitchFamily="2" charset="0"/>
+                <a:ea typeface="Open Sans" pitchFamily="2" charset="0"/>
+                <a:cs typeface="Open Sans" pitchFamily="2" charset="0"/>
+              </a:rPr>
+              <a:t> (since 2⁷ = 128).</a:t>
+            </a:r>
+          </a:p>
+          <a:p>
+            <a:pPr marL="0" indent="0">
+              <a:buNone/>
+            </a:pPr>
+            <a:endParaRPr lang="en-US" sz="2400" dirty="0">
+              <a:latin typeface="Open Sans" pitchFamily="2" charset="0"/>
+              <a:ea typeface="Open Sans" pitchFamily="2" charset="0"/>
+              <a:cs typeface="Open Sans" pitchFamily="2" charset="0"/>
+            </a:endParaRPr>
+          </a:p>
+          <a:p>
+            <a:pPr marL="0" indent="0">
+              <a:buNone/>
+            </a:pPr>
+            <a:r>
+              <a:rPr lang="en-US" sz="2400" b="1" dirty="0">
+                <a:latin typeface="Open Sans" pitchFamily="2" charset="0"/>
+                <a:ea typeface="Open Sans" pitchFamily="2" charset="0"/>
+                <a:cs typeface="Open Sans" pitchFamily="2" charset="0"/>
+              </a:rPr>
+              <a:t>⚙️ 2. To keep numerical meaning neutral</a:t>
+            </a:r>
+          </a:p>
+          <a:p>
+            <a:pPr lvl="1"/>
+            <a:r>
+              <a:rPr lang="en-US" sz="2200" b="1" dirty="0">
+                <a:latin typeface="Open Sans" pitchFamily="2" charset="0"/>
+                <a:ea typeface="Open Sans" pitchFamily="2" charset="0"/>
+                <a:cs typeface="Open Sans" pitchFamily="2" charset="0"/>
+              </a:rPr>
+              <a:t>Label Encoding</a:t>
+            </a:r>
+            <a:r>
+              <a:rPr lang="en-US" sz="2200" dirty="0">
+                <a:latin typeface="Open Sans" pitchFamily="2" charset="0"/>
+                <a:ea typeface="Open Sans" pitchFamily="2" charset="0"/>
+                <a:cs typeface="Open Sans" pitchFamily="2" charset="0"/>
+              </a:rPr>
+              <a:t> gives numeric values (1, 2, 3, 4...), but models may interpret them as having order (3 &gt; 2).</a:t>
+            </a:r>
+          </a:p>
+          <a:p>
+            <a:pPr lvl="1"/>
+            <a:r>
+              <a:rPr lang="en-US" sz="2200" b="1" dirty="0">
+                <a:latin typeface="Open Sans" pitchFamily="2" charset="0"/>
+                <a:ea typeface="Open Sans" pitchFamily="2" charset="0"/>
+                <a:cs typeface="Open Sans" pitchFamily="2" charset="0"/>
+              </a:rPr>
+              <a:t>Binary Encoding</a:t>
+            </a:r>
+            <a:r>
+              <a:rPr lang="en-US" sz="2200" dirty="0">
+                <a:latin typeface="Open Sans" pitchFamily="2" charset="0"/>
+                <a:ea typeface="Open Sans" pitchFamily="2" charset="0"/>
+                <a:cs typeface="Open Sans" pitchFamily="2" charset="0"/>
+              </a:rPr>
+              <a:t> avoids that — each binary pattern is unique but </a:t>
+            </a:r>
+            <a:r>
+              <a:rPr lang="en-US" sz="2200" b="1" dirty="0">
+                <a:latin typeface="Open Sans" pitchFamily="2" charset="0"/>
+                <a:ea typeface="Open Sans" pitchFamily="2" charset="0"/>
+                <a:cs typeface="Open Sans" pitchFamily="2" charset="0"/>
+              </a:rPr>
+              <a:t>doesn’t imply order</a:t>
+            </a:r>
+            <a:r>
+              <a:rPr lang="en-US" sz="2200" dirty="0">
+                <a:latin typeface="Open Sans" pitchFamily="2" charset="0"/>
+                <a:ea typeface="Open Sans" pitchFamily="2" charset="0"/>
+                <a:cs typeface="Open Sans" pitchFamily="2" charset="0"/>
+              </a:rPr>
+              <a:t>.</a:t>
             </a:r>
           </a:p>
         </p:txBody>
@@ -3923,6 +4784,279 @@
 </file>
 
 <file path=ppt/slides/slide3.xml><?xml version="1.0" encoding="utf-8"?>
+<p:sld xmlns:a="http://schemas.openxmlformats.org/drawingml/2006/main" xmlns:r="http://schemas.openxmlformats.org/officeDocument/2006/relationships" xmlns:p="http://schemas.openxmlformats.org/presentationml/2006/main">
+  <p:cSld>
+    <p:spTree>
+      <p:nvGrpSpPr>
+        <p:cNvPr id="1" name="">
+          <a:extLst>
+            <a:ext uri="{FF2B5EF4-FFF2-40B4-BE49-F238E27FC236}">
+              <a16:creationId xmlns:a16="http://schemas.microsoft.com/office/drawing/2014/main" id="{5F2BB439-8628-3091-E8D5-1C68FCDAF6DA}"/>
+            </a:ext>
+          </a:extLst>
+        </p:cNvPr>
+        <p:cNvGrpSpPr/>
+        <p:nvPr/>
+      </p:nvGrpSpPr>
+      <p:grpSpPr>
+        <a:xfrm>
+          <a:off x="0" y="0"/>
+          <a:ext cx="0" cy="0"/>
+          <a:chOff x="0" y="0"/>
+          <a:chExt cx="0" cy="0"/>
+        </a:xfrm>
+      </p:grpSpPr>
+      <p:sp>
+        <p:nvSpPr>
+          <p:cNvPr id="2" name="Title 1">
+            <a:extLst>
+              <a:ext uri="{FF2B5EF4-FFF2-40B4-BE49-F238E27FC236}">
+                <a16:creationId xmlns:a16="http://schemas.microsoft.com/office/drawing/2014/main" id="{A729BC95-FC9E-E3EC-2EC1-2702CF12CE57}"/>
+              </a:ext>
+            </a:extLst>
+          </p:cNvPr>
+          <p:cNvSpPr>
+            <a:spLocks noGrp="1"/>
+          </p:cNvSpPr>
+          <p:nvPr>
+            <p:ph type="title"/>
+          </p:nvPr>
+        </p:nvSpPr>
+        <p:spPr>
+          <a:xfrm>
+            <a:off x="838200" y="365125"/>
+            <a:ext cx="10515600" cy="640080"/>
+          </a:xfrm>
+        </p:spPr>
+        <p:txBody>
+          <a:bodyPr>
+            <a:normAutofit/>
+          </a:bodyPr>
+          <a:lstStyle/>
+          <a:p>
+            <a:pPr algn="ctr"/>
+            <a:r>
+              <a:rPr lang="en-US" sz="3600" dirty="0">
+                <a:latin typeface="Bebas Neue" panose="020B0606020202050201" pitchFamily="34" charset="0"/>
+              </a:rPr>
+              <a:t>Why Binary encoding</a:t>
+            </a:r>
+            <a:endParaRPr lang="en-US" sz="3600" dirty="0"/>
+          </a:p>
+        </p:txBody>
+      </p:sp>
+      <p:sp>
+        <p:nvSpPr>
+          <p:cNvPr id="3" name="Content Placeholder 2">
+            <a:extLst>
+              <a:ext uri="{FF2B5EF4-FFF2-40B4-BE49-F238E27FC236}">
+                <a16:creationId xmlns:a16="http://schemas.microsoft.com/office/drawing/2014/main" id="{55D365DC-C1B3-4356-3D99-D38B9930594C}"/>
+              </a:ext>
+            </a:extLst>
+          </p:cNvPr>
+          <p:cNvSpPr>
+            <a:spLocks noGrp="1"/>
+          </p:cNvSpPr>
+          <p:nvPr>
+            <p:ph idx="1"/>
+          </p:nvPr>
+        </p:nvSpPr>
+        <p:spPr>
+          <a:xfrm>
+            <a:off x="838200" y="1091381"/>
+            <a:ext cx="10515600" cy="5085582"/>
+          </a:xfrm>
+        </p:spPr>
+        <p:txBody>
+          <a:bodyPr>
+            <a:normAutofit/>
+          </a:bodyPr>
+          <a:lstStyle/>
+          <a:p>
+            <a:pPr marL="0" indent="0">
+              <a:buNone/>
+            </a:pPr>
+            <a:r>
+              <a:rPr lang="en-US" sz="2400" b="1" dirty="0">
+                <a:latin typeface="Open Sans" pitchFamily="2" charset="0"/>
+                <a:ea typeface="Open Sans" pitchFamily="2" charset="0"/>
+                <a:cs typeface="Open Sans" pitchFamily="2" charset="0"/>
+              </a:rPr>
+              <a:t>🚀 3. To improve model performance</a:t>
+            </a:r>
+          </a:p>
+          <a:p>
+            <a:pPr lvl="1"/>
+            <a:r>
+              <a:rPr lang="en-US" dirty="0">
+                <a:latin typeface="Open Sans" pitchFamily="2" charset="0"/>
+                <a:ea typeface="Open Sans" pitchFamily="2" charset="0"/>
+                <a:cs typeface="Open Sans" pitchFamily="2" charset="0"/>
+              </a:rPr>
+              <a:t>Works great for </a:t>
+            </a:r>
+            <a:r>
+              <a:rPr lang="en-US" b="1" dirty="0">
+                <a:latin typeface="Open Sans" pitchFamily="2" charset="0"/>
+                <a:ea typeface="Open Sans" pitchFamily="2" charset="0"/>
+                <a:cs typeface="Open Sans" pitchFamily="2" charset="0"/>
+              </a:rPr>
+              <a:t>tree-based models</a:t>
+            </a:r>
+            <a:r>
+              <a:rPr lang="en-US" dirty="0">
+                <a:latin typeface="Open Sans" pitchFamily="2" charset="0"/>
+                <a:ea typeface="Open Sans" pitchFamily="2" charset="0"/>
+                <a:cs typeface="Open Sans" pitchFamily="2" charset="0"/>
+              </a:rPr>
+              <a:t> (Random Forest, </a:t>
+            </a:r>
+            <a:r>
+              <a:rPr lang="en-US" dirty="0" err="1">
+                <a:latin typeface="Open Sans" pitchFamily="2" charset="0"/>
+                <a:ea typeface="Open Sans" pitchFamily="2" charset="0"/>
+                <a:cs typeface="Open Sans" pitchFamily="2" charset="0"/>
+              </a:rPr>
+              <a:t>XGBoost</a:t>
+            </a:r>
+            <a:r>
+              <a:rPr lang="en-US" dirty="0">
+                <a:latin typeface="Open Sans" pitchFamily="2" charset="0"/>
+                <a:ea typeface="Open Sans" pitchFamily="2" charset="0"/>
+                <a:cs typeface="Open Sans" pitchFamily="2" charset="0"/>
+              </a:rPr>
+              <a:t>, etc.)</a:t>
+            </a:r>
+          </a:p>
+          <a:p>
+            <a:pPr lvl="1"/>
+            <a:r>
+              <a:rPr lang="en-US" dirty="0">
+                <a:latin typeface="Open Sans" pitchFamily="2" charset="0"/>
+                <a:ea typeface="Open Sans" pitchFamily="2" charset="0"/>
+                <a:cs typeface="Open Sans" pitchFamily="2" charset="0"/>
+              </a:rPr>
+              <a:t>Reduces </a:t>
+            </a:r>
+            <a:r>
+              <a:rPr lang="en-US" b="1" dirty="0">
+                <a:latin typeface="Open Sans" pitchFamily="2" charset="0"/>
+                <a:ea typeface="Open Sans" pitchFamily="2" charset="0"/>
+                <a:cs typeface="Open Sans" pitchFamily="2" charset="0"/>
+              </a:rPr>
+              <a:t>overfitting</a:t>
+            </a:r>
+            <a:r>
+              <a:rPr lang="en-US" dirty="0">
+                <a:latin typeface="Open Sans" pitchFamily="2" charset="0"/>
+                <a:ea typeface="Open Sans" pitchFamily="2" charset="0"/>
+                <a:cs typeface="Open Sans" pitchFamily="2" charset="0"/>
+              </a:rPr>
+              <a:t> compared to One-Hot</a:t>
+            </a:r>
+          </a:p>
+          <a:p>
+            <a:pPr lvl="1"/>
+            <a:r>
+              <a:rPr lang="en-US" dirty="0">
+                <a:latin typeface="Open Sans" pitchFamily="2" charset="0"/>
+                <a:ea typeface="Open Sans" pitchFamily="2" charset="0"/>
+                <a:cs typeface="Open Sans" pitchFamily="2" charset="0"/>
+              </a:rPr>
+              <a:t>Saves </a:t>
+            </a:r>
+            <a:r>
+              <a:rPr lang="en-US" b="1" dirty="0">
+                <a:latin typeface="Open Sans" pitchFamily="2" charset="0"/>
+                <a:ea typeface="Open Sans" pitchFamily="2" charset="0"/>
+                <a:cs typeface="Open Sans" pitchFamily="2" charset="0"/>
+              </a:rPr>
+              <a:t>memory and computation time</a:t>
+            </a:r>
+          </a:p>
+          <a:p>
+            <a:pPr marL="457200" lvl="1" indent="0">
+              <a:buNone/>
+            </a:pPr>
+            <a:endParaRPr lang="en-US" dirty="0">
+              <a:latin typeface="Open Sans" pitchFamily="2" charset="0"/>
+              <a:ea typeface="Open Sans" pitchFamily="2" charset="0"/>
+              <a:cs typeface="Open Sans" pitchFamily="2" charset="0"/>
+            </a:endParaRPr>
+          </a:p>
+          <a:p>
+            <a:pPr marL="0" indent="0">
+              <a:buNone/>
+            </a:pPr>
+            <a:r>
+              <a:rPr lang="en-US" sz="2400" b="1" dirty="0">
+                <a:latin typeface="Open Sans" pitchFamily="2" charset="0"/>
+                <a:ea typeface="Open Sans" pitchFamily="2" charset="0"/>
+                <a:cs typeface="Open Sans" pitchFamily="2" charset="0"/>
+              </a:rPr>
+              <a:t>💡 Example:</a:t>
+            </a:r>
+          </a:p>
+          <a:p>
+            <a:pPr lvl="1"/>
+            <a:r>
+              <a:rPr lang="en-US" dirty="0">
+                <a:latin typeface="Open Sans" pitchFamily="2" charset="0"/>
+                <a:ea typeface="Open Sans" pitchFamily="2" charset="0"/>
+                <a:cs typeface="Open Sans" pitchFamily="2" charset="0"/>
+              </a:rPr>
+              <a:t>If you have 1,000 unique ZIP codes:</a:t>
+            </a:r>
+          </a:p>
+          <a:p>
+            <a:pPr lvl="1"/>
+            <a:r>
+              <a:rPr lang="en-US" dirty="0">
+                <a:latin typeface="Open Sans" pitchFamily="2" charset="0"/>
+                <a:ea typeface="Open Sans" pitchFamily="2" charset="0"/>
+                <a:cs typeface="Open Sans" pitchFamily="2" charset="0"/>
+              </a:rPr>
+              <a:t>One-Hot → 1,000 columns</a:t>
+            </a:r>
+          </a:p>
+          <a:p>
+            <a:pPr lvl="1"/>
+            <a:r>
+              <a:rPr lang="en-US" dirty="0">
+                <a:latin typeface="Open Sans" pitchFamily="2" charset="0"/>
+                <a:ea typeface="Open Sans" pitchFamily="2" charset="0"/>
+                <a:cs typeface="Open Sans" pitchFamily="2" charset="0"/>
+              </a:rPr>
+              <a:t>Binary Encoding → only 10 columns (since 2¹⁰ = 1024)</a:t>
+            </a:r>
+          </a:p>
+          <a:p>
+            <a:pPr lvl="1"/>
+            <a:r>
+              <a:rPr lang="en-US" dirty="0">
+                <a:latin typeface="Open Sans" pitchFamily="2" charset="0"/>
+                <a:ea typeface="Open Sans" pitchFamily="2" charset="0"/>
+                <a:cs typeface="Open Sans" pitchFamily="2" charset="0"/>
+              </a:rPr>
+              <a:t>That’s a huge space saving while still keeping distinct encodings!</a:t>
+            </a:r>
+          </a:p>
+        </p:txBody>
+      </p:sp>
+    </p:spTree>
+    <p:extLst>
+      <p:ext uri="{BB962C8B-B14F-4D97-AF65-F5344CB8AC3E}">
+        <p14:creationId xmlns:p14="http://schemas.microsoft.com/office/powerpoint/2010/main" val="2203719947"/>
+      </p:ext>
+    </p:extLst>
+  </p:cSld>
+  <p:clrMapOvr>
+    <a:masterClrMapping/>
+  </p:clrMapOvr>
+</p:sld>
+</file>
+
+<file path=ppt/slides/slide4.xml><?xml version="1.0" encoding="utf-8"?>
 <p:sld xmlns:a="http://schemas.openxmlformats.org/drawingml/2006/main" xmlns:r="http://schemas.openxmlformats.org/officeDocument/2006/relationships" xmlns:p="http://schemas.openxmlformats.org/presentationml/2006/main">
   <p:cSld>
     <p:spTree>
@@ -3978,7 +5112,7 @@
               <a:rPr lang="en-US" sz="3600" dirty="0">
                 <a:latin typeface="Bebas Neue" panose="020B0606020202050201" pitchFamily="34" charset="0"/>
               </a:rPr>
-              <a:t>Binary encoding</a:t>
+              <a:t>Why Binary encoding</a:t>
             </a:r>
             <a:endParaRPr lang="en-US" sz="3600" dirty="0"/>
           </a:p>
@@ -4012,141 +5146,121 @@
           </a:bodyPr>
           <a:lstStyle/>
           <a:p>
-            <a:pPr marL="0" indent="0" algn="just">
+            <a:pPr marL="0" indent="0">
               <a:buNone/>
             </a:pPr>
+            <a:r>
+              <a:rPr lang="en-US" sz="2400" b="1" dirty="0">
+                <a:latin typeface="Open Sans" pitchFamily="2" charset="0"/>
+                <a:ea typeface="Open Sans" pitchFamily="2" charset="0"/>
+                <a:cs typeface="Open Sans" pitchFamily="2" charset="0"/>
+              </a:rPr>
+              <a:t>In short:</a:t>
+            </a:r>
+          </a:p>
+          <a:p>
+            <a:pPr marL="457200" lvl="1" indent="0">
+              <a:buNone/>
+            </a:pPr>
+            <a:r>
+              <a:rPr lang="en-US" sz="2200" dirty="0">
+                <a:latin typeface="Open Sans" pitchFamily="2" charset="0"/>
+                <a:ea typeface="Open Sans" pitchFamily="2" charset="0"/>
+                <a:cs typeface="Open Sans" pitchFamily="2" charset="0"/>
+              </a:rPr>
+              <a:t>🧠 Binary Encoding = Smart, Compact, and Model-Friendly way to encode high-cardinality categorical data.</a:t>
+            </a:r>
+          </a:p>
+          <a:p>
             <a:r>
               <a:rPr lang="en-US" sz="2400" dirty="0">
                 <a:latin typeface="Open Sans" pitchFamily="2" charset="0"/>
                 <a:ea typeface="Open Sans" pitchFamily="2" charset="0"/>
                 <a:cs typeface="Open Sans" pitchFamily="2" charset="0"/>
               </a:rPr>
-              <a:t>H</a:t>
-            </a:r>
-          </a:p>
-        </p:txBody>
-      </p:sp>
-    </p:spTree>
-    <p:extLst>
-      <p:ext uri="{BB962C8B-B14F-4D97-AF65-F5344CB8AC3E}">
-        <p14:creationId xmlns:p14="http://schemas.microsoft.com/office/powerpoint/2010/main" val="1267128099"/>
-      </p:ext>
-    </p:extLst>
-  </p:cSld>
-  <p:clrMapOvr>
-    <a:masterClrMapping/>
-  </p:clrMapOvr>
-</p:sld>
-</file>
-
-<file path=ppt/slides/slide4.xml><?xml version="1.0" encoding="utf-8"?>
-<p:sld xmlns:a="http://schemas.openxmlformats.org/drawingml/2006/main" xmlns:r="http://schemas.openxmlformats.org/officeDocument/2006/relationships" xmlns:p="http://schemas.openxmlformats.org/presentationml/2006/main">
-  <p:cSld>
-    <p:spTree>
-      <p:nvGrpSpPr>
-        <p:cNvPr id="1" name="">
-          <a:extLst>
-            <a:ext uri="{FF2B5EF4-FFF2-40B4-BE49-F238E27FC236}">
-              <a16:creationId xmlns:a16="http://schemas.microsoft.com/office/drawing/2014/main" id="{C266D169-45F4-6C35-CD77-DEACB4105C5C}"/>
-            </a:ext>
-          </a:extLst>
-        </p:cNvPr>
-        <p:cNvGrpSpPr/>
-        <p:nvPr/>
-      </p:nvGrpSpPr>
-      <p:grpSpPr>
-        <a:xfrm>
-          <a:off x="0" y="0"/>
-          <a:ext cx="0" cy="0"/>
-          <a:chOff x="0" y="0"/>
-          <a:chExt cx="0" cy="0"/>
-        </a:xfrm>
-      </p:grpSpPr>
-      <p:sp>
-        <p:nvSpPr>
-          <p:cNvPr id="2" name="Title 1">
-            <a:extLst>
-              <a:ext uri="{FF2B5EF4-FFF2-40B4-BE49-F238E27FC236}">
-                <a16:creationId xmlns:a16="http://schemas.microsoft.com/office/drawing/2014/main" id="{01C2F67A-B126-53D3-D762-42B3A4748AD9}"/>
-              </a:ext>
-            </a:extLst>
-          </p:cNvPr>
-          <p:cNvSpPr>
-            <a:spLocks noGrp="1"/>
-          </p:cNvSpPr>
-          <p:nvPr>
-            <p:ph type="title"/>
-          </p:nvPr>
-        </p:nvSpPr>
-        <p:spPr>
-          <a:xfrm>
-            <a:off x="838200" y="365125"/>
-            <a:ext cx="10515600" cy="640080"/>
-          </a:xfrm>
-        </p:spPr>
-        <p:txBody>
-          <a:bodyPr>
-            <a:normAutofit/>
-          </a:bodyPr>
-          <a:lstStyle/>
-          <a:p>
-            <a:pPr algn="ctr"/>
-            <a:r>
-              <a:rPr lang="en-US" sz="3600" dirty="0">
-                <a:latin typeface="Bebas Neue" panose="020B0606020202050201" pitchFamily="34" charset="0"/>
+              <a:t>We use </a:t>
+            </a:r>
+            <a:r>
+              <a:rPr lang="en-US" sz="2400" b="1" dirty="0">
+                <a:latin typeface="Open Sans" pitchFamily="2" charset="0"/>
+                <a:ea typeface="Open Sans" pitchFamily="2" charset="0"/>
+                <a:cs typeface="Open Sans" pitchFamily="2" charset="0"/>
               </a:rPr>
-              <a:t>Binary encoding</a:t>
-            </a:r>
-            <a:endParaRPr lang="en-US" sz="3600" dirty="0"/>
-          </a:p>
-        </p:txBody>
-      </p:sp>
-      <p:sp>
-        <p:nvSpPr>
-          <p:cNvPr id="3" name="Content Placeholder 2">
-            <a:extLst>
-              <a:ext uri="{FF2B5EF4-FFF2-40B4-BE49-F238E27FC236}">
-                <a16:creationId xmlns:a16="http://schemas.microsoft.com/office/drawing/2014/main" id="{C1E753FD-B494-DCBB-81D5-4F125074F624}"/>
-              </a:ext>
-            </a:extLst>
-          </p:cNvPr>
-          <p:cNvSpPr>
-            <a:spLocks noGrp="1"/>
-          </p:cNvSpPr>
-          <p:nvPr>
-            <p:ph idx="1"/>
-          </p:nvPr>
-        </p:nvSpPr>
-        <p:spPr>
-          <a:xfrm>
-            <a:off x="838200" y="1091381"/>
-            <a:ext cx="10515600" cy="5085582"/>
-          </a:xfrm>
-        </p:spPr>
-        <p:txBody>
-          <a:bodyPr>
-            <a:normAutofit/>
-          </a:bodyPr>
-          <a:lstStyle/>
-          <a:p>
-            <a:pPr marL="0" indent="0" algn="just">
-              <a:buNone/>
-            </a:pPr>
+              <a:t>Binary Encoding</a:t>
+            </a:r>
             <a:r>
               <a:rPr lang="en-US" sz="2400" dirty="0">
                 <a:latin typeface="Open Sans" pitchFamily="2" charset="0"/>
                 <a:ea typeface="Open Sans" pitchFamily="2" charset="0"/>
                 <a:cs typeface="Open Sans" pitchFamily="2" charset="0"/>
               </a:rPr>
-              <a:t>H</a:t>
-            </a:r>
+              <a:t> mainly for </a:t>
+            </a:r>
+            <a:r>
+              <a:rPr lang="en-US" sz="2400" b="1" dirty="0">
+                <a:latin typeface="Open Sans" pitchFamily="2" charset="0"/>
+                <a:ea typeface="Open Sans" pitchFamily="2" charset="0"/>
+                <a:cs typeface="Open Sans" pitchFamily="2" charset="0"/>
+              </a:rPr>
+              <a:t>nominal categorical data</a:t>
+            </a:r>
+            <a:r>
+              <a:rPr lang="en-US" sz="2400" dirty="0">
+                <a:latin typeface="Open Sans" pitchFamily="2" charset="0"/>
+                <a:ea typeface="Open Sans" pitchFamily="2" charset="0"/>
+                <a:cs typeface="Open Sans" pitchFamily="2" charset="0"/>
+              </a:rPr>
+              <a:t> (categories with no natural order) — especially when there are </a:t>
+            </a:r>
+            <a:r>
+              <a:rPr lang="en-US" sz="2400" b="1" dirty="0">
+                <a:latin typeface="Open Sans" pitchFamily="2" charset="0"/>
+                <a:ea typeface="Open Sans" pitchFamily="2" charset="0"/>
+                <a:cs typeface="Open Sans" pitchFamily="2" charset="0"/>
+              </a:rPr>
+              <a:t>many unique categories</a:t>
+            </a:r>
+            <a:r>
+              <a:rPr lang="en-US" sz="2400" dirty="0">
+                <a:latin typeface="Open Sans" pitchFamily="2" charset="0"/>
+                <a:ea typeface="Open Sans" pitchFamily="2" charset="0"/>
+                <a:cs typeface="Open Sans" pitchFamily="2" charset="0"/>
+              </a:rPr>
+              <a:t> (called </a:t>
+            </a:r>
+            <a:r>
+              <a:rPr lang="en-US" sz="2400" b="1" dirty="0">
+                <a:latin typeface="Open Sans" pitchFamily="2" charset="0"/>
+                <a:ea typeface="Open Sans" pitchFamily="2" charset="0"/>
+                <a:cs typeface="Open Sans" pitchFamily="2" charset="0"/>
+              </a:rPr>
+              <a:t>high cardinality</a:t>
+            </a:r>
+            <a:r>
+              <a:rPr lang="en-US" sz="2400" dirty="0">
+                <a:latin typeface="Open Sans" pitchFamily="2" charset="0"/>
+                <a:ea typeface="Open Sans" pitchFamily="2" charset="0"/>
+                <a:cs typeface="Open Sans" pitchFamily="2" charset="0"/>
+              </a:rPr>
+              <a:t>).</a:t>
+            </a:r>
+          </a:p>
+          <a:p>
+            <a:pPr marL="0" indent="0">
+              <a:buNone/>
+            </a:pPr>
+            <a:endParaRPr lang="en-US" sz="2200" dirty="0">
+              <a:latin typeface="Open Sans" pitchFamily="2" charset="0"/>
+              <a:ea typeface="Open Sans" pitchFamily="2" charset="0"/>
+              <a:cs typeface="Open Sans" pitchFamily="2" charset="0"/>
+            </a:endParaRPr>
           </a:p>
         </p:txBody>
       </p:sp>
     </p:spTree>
     <p:extLst>
       <p:ext uri="{BB962C8B-B14F-4D97-AF65-F5344CB8AC3E}">
-        <p14:creationId xmlns:p14="http://schemas.microsoft.com/office/powerpoint/2010/main" val="4279299395"/>
+        <p14:creationId xmlns:p14="http://schemas.microsoft.com/office/powerpoint/2010/main" val="1267128099"/>
       </p:ext>
     </p:extLst>
   </p:cSld>
@@ -4164,7 +5278,7 @@
         <p:cNvPr id="1" name="">
           <a:extLst>
             <a:ext uri="{FF2B5EF4-FFF2-40B4-BE49-F238E27FC236}">
-              <a16:creationId xmlns:a16="http://schemas.microsoft.com/office/drawing/2014/main" id="{E7A11B5B-F58B-3AB4-6B0E-68545EC69CB1}"/>
+              <a16:creationId xmlns:a16="http://schemas.microsoft.com/office/drawing/2014/main" id="{7ABE665F-ED66-FDEB-D75C-B66D251D6EE3}"/>
             </a:ext>
           </a:extLst>
         </p:cNvPr>
@@ -4184,7 +5298,7 @@
           <p:cNvPr id="2" name="Title 1">
             <a:extLst>
               <a:ext uri="{FF2B5EF4-FFF2-40B4-BE49-F238E27FC236}">
-                <a16:creationId xmlns:a16="http://schemas.microsoft.com/office/drawing/2014/main" id="{B09493AB-688B-6FD7-D1E5-07C359AE0788}"/>
+                <a16:creationId xmlns:a16="http://schemas.microsoft.com/office/drawing/2014/main" id="{27B4156E-3EB1-F0D2-4AA9-286C801ED19C}"/>
               </a:ext>
             </a:extLst>
           </p:cNvPr>
@@ -4212,58 +5326,515 @@
               <a:rPr lang="en-US" sz="3600" dirty="0">
                 <a:latin typeface="Bebas Neue" panose="020B0606020202050201" pitchFamily="34" charset="0"/>
               </a:rPr>
-              <a:t>Binary encoding</a:t>
+              <a:t>Label Vs one-hot vs Binary encoding</a:t>
             </a:r>
             <a:endParaRPr lang="en-US" sz="3600" dirty="0"/>
           </a:p>
         </p:txBody>
       </p:sp>
-      <p:sp>
-        <p:nvSpPr>
-          <p:cNvPr id="3" name="Content Placeholder 2">
-            <a:extLst>
-              <a:ext uri="{FF2B5EF4-FFF2-40B4-BE49-F238E27FC236}">
-                <a16:creationId xmlns:a16="http://schemas.microsoft.com/office/drawing/2014/main" id="{87F560CD-3AA7-5EBD-FDEF-B0D3C8636300}"/>
-              </a:ext>
-            </a:extLst>
-          </p:cNvPr>
-          <p:cNvSpPr>
-            <a:spLocks noGrp="1"/>
-          </p:cNvSpPr>
-          <p:nvPr>
-            <p:ph idx="1"/>
-          </p:nvPr>
-        </p:nvSpPr>
-        <p:spPr>
-          <a:xfrm>
-            <a:off x="838200" y="1091381"/>
-            <a:ext cx="10515600" cy="5085582"/>
-          </a:xfrm>
-        </p:spPr>
-        <p:txBody>
-          <a:bodyPr>
-            <a:normAutofit/>
-          </a:bodyPr>
-          <a:lstStyle/>
-          <a:p>
-            <a:pPr marL="0" indent="0" algn="just">
-              <a:buNone/>
-            </a:pPr>
-            <a:r>
-              <a:rPr lang="en-US" sz="2400" dirty="0">
-                <a:latin typeface="Open Sans" pitchFamily="2" charset="0"/>
-                <a:ea typeface="Open Sans" pitchFamily="2" charset="0"/>
-                <a:cs typeface="Open Sans" pitchFamily="2" charset="0"/>
-              </a:rPr>
-              <a:t>H</a:t>
-            </a:r>
-          </a:p>
-        </p:txBody>
-      </p:sp>
+      <p:graphicFrame>
+        <p:nvGraphicFramePr>
+          <p:cNvPr id="4" name="Table 3">
+            <a:extLst>
+              <a:ext uri="{FF2B5EF4-FFF2-40B4-BE49-F238E27FC236}">
+                <a16:creationId xmlns:a16="http://schemas.microsoft.com/office/drawing/2014/main" id="{656966D3-1685-68BE-82AE-1BA84BC1B032}"/>
+              </a:ext>
+            </a:extLst>
+          </p:cNvPr>
+          <p:cNvGraphicFramePr>
+            <a:graphicFrameLocks noGrp="1"/>
+          </p:cNvGraphicFramePr>
+          <p:nvPr>
+            <p:extLst>
+              <p:ext uri="{D42A27DB-BD31-4B8C-83A1-F6EECF244321}">
+                <p14:modId xmlns:p14="http://schemas.microsoft.com/office/powerpoint/2010/main" val="2472947835"/>
+              </p:ext>
+            </p:extLst>
+          </p:nvPr>
+        </p:nvGraphicFramePr>
+        <p:xfrm>
+          <a:off x="1655482" y="1091381"/>
+          <a:ext cx="9355455" cy="2926080"/>
+        </p:xfrm>
+        <a:graphic>
+          <a:graphicData uri="http://schemas.openxmlformats.org/drawingml/2006/table">
+            <a:tbl>
+              <a:tblPr firstRow="1" bandRow="1">
+                <a:tableStyleId>{5C22544A-7EE6-4342-B048-85BDC9FD1C3A}</a:tableStyleId>
+              </a:tblPr>
+              <a:tblGrid>
+                <a:gridCol w="2853055">
+                  <a:extLst>
+                    <a:ext uri="{9D8B030D-6E8A-4147-A177-3AD203B41FA5}">
+                      <a16:colId xmlns:a16="http://schemas.microsoft.com/office/drawing/2014/main" val="3333928453"/>
+                    </a:ext>
+                  </a:extLst>
+                </a:gridCol>
+                <a:gridCol w="1625600">
+                  <a:extLst>
+                    <a:ext uri="{9D8B030D-6E8A-4147-A177-3AD203B41FA5}">
+                      <a16:colId xmlns:a16="http://schemas.microsoft.com/office/drawing/2014/main" val="1929017347"/>
+                    </a:ext>
+                  </a:extLst>
+                </a:gridCol>
+                <a:gridCol w="1625600">
+                  <a:extLst>
+                    <a:ext uri="{9D8B030D-6E8A-4147-A177-3AD203B41FA5}">
+                      <a16:colId xmlns:a16="http://schemas.microsoft.com/office/drawing/2014/main" val="4254421345"/>
+                    </a:ext>
+                  </a:extLst>
+                </a:gridCol>
+                <a:gridCol w="1625600">
+                  <a:extLst>
+                    <a:ext uri="{9D8B030D-6E8A-4147-A177-3AD203B41FA5}">
+                      <a16:colId xmlns:a16="http://schemas.microsoft.com/office/drawing/2014/main" val="1002682046"/>
+                    </a:ext>
+                  </a:extLst>
+                </a:gridCol>
+                <a:gridCol w="1625600">
+                  <a:extLst>
+                    <a:ext uri="{9D8B030D-6E8A-4147-A177-3AD203B41FA5}">
+                      <a16:colId xmlns:a16="http://schemas.microsoft.com/office/drawing/2014/main" val="3042092997"/>
+                    </a:ext>
+                  </a:extLst>
+                </a:gridCol>
+              </a:tblGrid>
+              <a:tr h="370840">
+                <a:tc>
+                  <a:txBody>
+                    <a:bodyPr/>
+                    <a:lstStyle/>
+                    <a:p>
+                      <a:pPr>
+                        <a:buNone/>
+                      </a:pPr>
+                      <a:r>
+                        <a:rPr lang="en-US" sz="2400" dirty="0">
+                          <a:latin typeface="Open Sans" pitchFamily="2" charset="0"/>
+                          <a:ea typeface="Open Sans" pitchFamily="2" charset="0"/>
+                          <a:cs typeface="Open Sans" pitchFamily="2" charset="0"/>
+                        </a:rPr>
+                        <a:t>Encoding Type</a:t>
+                      </a:r>
+                    </a:p>
+                  </a:txBody>
+                  <a:tcPr anchor="ctr"/>
+                </a:tc>
+                <a:tc>
+                  <a:txBody>
+                    <a:bodyPr/>
+                    <a:lstStyle/>
+                    <a:p>
+                      <a:pPr>
+                        <a:buNone/>
+                      </a:pPr>
+                      <a:r>
+                        <a:rPr lang="en-US" sz="2400">
+                          <a:latin typeface="Open Sans" pitchFamily="2" charset="0"/>
+                          <a:ea typeface="Open Sans" pitchFamily="2" charset="0"/>
+                          <a:cs typeface="Open Sans" pitchFamily="2" charset="0"/>
+                        </a:rPr>
+                        <a:t>Keeps Meaning?</a:t>
+                      </a:r>
+                    </a:p>
+                  </a:txBody>
+                  <a:tcPr anchor="ctr"/>
+                </a:tc>
+                <a:tc>
+                  <a:txBody>
+                    <a:bodyPr/>
+                    <a:lstStyle/>
+                    <a:p>
+                      <a:pPr>
+                        <a:buNone/>
+                      </a:pPr>
+                      <a:r>
+                        <a:rPr lang="en-US" sz="2400">
+                          <a:latin typeface="Open Sans" pitchFamily="2" charset="0"/>
+                          <a:ea typeface="Open Sans" pitchFamily="2" charset="0"/>
+                          <a:cs typeface="Open Sans" pitchFamily="2" charset="0"/>
+                        </a:rPr>
+                        <a:t>Risk of Order Bias</a:t>
+                      </a:r>
+                    </a:p>
+                  </a:txBody>
+                  <a:tcPr anchor="ctr"/>
+                </a:tc>
+                <a:tc>
+                  <a:txBody>
+                    <a:bodyPr/>
+                    <a:lstStyle/>
+                    <a:p>
+                      <a:pPr>
+                        <a:buNone/>
+                      </a:pPr>
+                      <a:r>
+                        <a:rPr lang="en-US" sz="2400">
+                          <a:latin typeface="Open Sans" pitchFamily="2" charset="0"/>
+                          <a:ea typeface="Open Sans" pitchFamily="2" charset="0"/>
+                          <a:cs typeface="Open Sans" pitchFamily="2" charset="0"/>
+                        </a:rPr>
+                        <a:t>#Columns (for 4 categories)</a:t>
+                      </a:r>
+                    </a:p>
+                  </a:txBody>
+                  <a:tcPr anchor="ctr"/>
+                </a:tc>
+                <a:tc>
+                  <a:txBody>
+                    <a:bodyPr/>
+                    <a:lstStyle/>
+                    <a:p>
+                      <a:pPr>
+                        <a:buNone/>
+                      </a:pPr>
+                      <a:r>
+                        <a:rPr lang="en-US" sz="2400">
+                          <a:latin typeface="Open Sans" pitchFamily="2" charset="0"/>
+                          <a:ea typeface="Open Sans" pitchFamily="2" charset="0"/>
+                          <a:cs typeface="Open Sans" pitchFamily="2" charset="0"/>
+                        </a:rPr>
+                        <a:t>Memory Efficient?</a:t>
+                      </a:r>
+                    </a:p>
+                  </a:txBody>
+                  <a:tcPr anchor="ctr"/>
+                </a:tc>
+                <a:extLst>
+                  <a:ext uri="{0D108BD9-81ED-4DB2-BD59-A6C34878D82A}">
+                    <a16:rowId xmlns:a16="http://schemas.microsoft.com/office/drawing/2014/main" val="2348250435"/>
+                  </a:ext>
+                </a:extLst>
+              </a:tr>
+              <a:tr h="370840">
+                <a:tc>
+                  <a:txBody>
+                    <a:bodyPr/>
+                    <a:lstStyle/>
+                    <a:p>
+                      <a:pPr>
+                        <a:buNone/>
+                      </a:pPr>
+                      <a:r>
+                        <a:rPr lang="en-US" sz="2400">
+                          <a:latin typeface="Open Sans" pitchFamily="2" charset="0"/>
+                          <a:ea typeface="Open Sans" pitchFamily="2" charset="0"/>
+                          <a:cs typeface="Open Sans" pitchFamily="2" charset="0"/>
+                        </a:rPr>
+                        <a:t>Label Encoding</a:t>
+                      </a:r>
+                    </a:p>
+                  </a:txBody>
+                  <a:tcPr anchor="ctr"/>
+                </a:tc>
+                <a:tc>
+                  <a:txBody>
+                    <a:bodyPr/>
+                    <a:lstStyle/>
+                    <a:p>
+                      <a:pPr>
+                        <a:buNone/>
+                      </a:pPr>
+                      <a:r>
+                        <a:rPr lang="en-US" sz="2400">
+                          <a:latin typeface="Open Sans" pitchFamily="2" charset="0"/>
+                          <a:ea typeface="Open Sans" pitchFamily="2" charset="0"/>
+                          <a:cs typeface="Open Sans" pitchFamily="2" charset="0"/>
+                        </a:rPr>
+                        <a:t>❌ No</a:t>
+                      </a:r>
+                    </a:p>
+                  </a:txBody>
+                  <a:tcPr anchor="ctr"/>
+                </a:tc>
+                <a:tc>
+                  <a:txBody>
+                    <a:bodyPr/>
+                    <a:lstStyle/>
+                    <a:p>
+                      <a:pPr>
+                        <a:buNone/>
+                      </a:pPr>
+                      <a:r>
+                        <a:rPr lang="en-US" sz="2400">
+                          <a:latin typeface="Open Sans" pitchFamily="2" charset="0"/>
+                          <a:ea typeface="Open Sans" pitchFamily="2" charset="0"/>
+                          <a:cs typeface="Open Sans" pitchFamily="2" charset="0"/>
+                        </a:rPr>
+                        <a:t>⚠️ Yes</a:t>
+                      </a:r>
+                    </a:p>
+                  </a:txBody>
+                  <a:tcPr anchor="ctr"/>
+                </a:tc>
+                <a:tc>
+                  <a:txBody>
+                    <a:bodyPr/>
+                    <a:lstStyle/>
+                    <a:p>
+                      <a:pPr>
+                        <a:buNone/>
+                      </a:pPr>
+                      <a:r>
+                        <a:rPr lang="en-US" sz="2400">
+                          <a:latin typeface="Open Sans" pitchFamily="2" charset="0"/>
+                          <a:ea typeface="Open Sans" pitchFamily="2" charset="0"/>
+                          <a:cs typeface="Open Sans" pitchFamily="2" charset="0"/>
+                        </a:rPr>
+                        <a:t>1</a:t>
+                      </a:r>
+                    </a:p>
+                  </a:txBody>
+                  <a:tcPr anchor="ctr"/>
+                </a:tc>
+                <a:tc>
+                  <a:txBody>
+                    <a:bodyPr/>
+                    <a:lstStyle/>
+                    <a:p>
+                      <a:pPr>
+                        <a:buNone/>
+                      </a:pPr>
+                      <a:r>
+                        <a:rPr lang="en-US" sz="2400">
+                          <a:latin typeface="Open Sans" pitchFamily="2" charset="0"/>
+                          <a:ea typeface="Open Sans" pitchFamily="2" charset="0"/>
+                          <a:cs typeface="Open Sans" pitchFamily="2" charset="0"/>
+                        </a:rPr>
+                        <a:t>✅ Yes</a:t>
+                      </a:r>
+                    </a:p>
+                  </a:txBody>
+                  <a:tcPr anchor="ctr"/>
+                </a:tc>
+                <a:extLst>
+                  <a:ext uri="{0D108BD9-81ED-4DB2-BD59-A6C34878D82A}">
+                    <a16:rowId xmlns:a16="http://schemas.microsoft.com/office/drawing/2014/main" val="1317288627"/>
+                  </a:ext>
+                </a:extLst>
+              </a:tr>
+              <a:tr h="370840">
+                <a:tc>
+                  <a:txBody>
+                    <a:bodyPr/>
+                    <a:lstStyle/>
+                    <a:p>
+                      <a:pPr>
+                        <a:buNone/>
+                      </a:pPr>
+                      <a:r>
+                        <a:rPr lang="en-US" sz="2400">
+                          <a:latin typeface="Open Sans" pitchFamily="2" charset="0"/>
+                          <a:ea typeface="Open Sans" pitchFamily="2" charset="0"/>
+                          <a:cs typeface="Open Sans" pitchFamily="2" charset="0"/>
+                        </a:rPr>
+                        <a:t>One-Hot Encoding</a:t>
+                      </a:r>
+                    </a:p>
+                  </a:txBody>
+                  <a:tcPr anchor="ctr"/>
+                </a:tc>
+                <a:tc>
+                  <a:txBody>
+                    <a:bodyPr/>
+                    <a:lstStyle/>
+                    <a:p>
+                      <a:pPr>
+                        <a:buNone/>
+                      </a:pPr>
+                      <a:r>
+                        <a:rPr lang="en-US" sz="2400">
+                          <a:latin typeface="Open Sans" pitchFamily="2" charset="0"/>
+                          <a:ea typeface="Open Sans" pitchFamily="2" charset="0"/>
+                          <a:cs typeface="Open Sans" pitchFamily="2" charset="0"/>
+                        </a:rPr>
+                        <a:t>✅ Yes</a:t>
+                      </a:r>
+                    </a:p>
+                  </a:txBody>
+                  <a:tcPr anchor="ctr"/>
+                </a:tc>
+                <a:tc>
+                  <a:txBody>
+                    <a:bodyPr/>
+                    <a:lstStyle/>
+                    <a:p>
+                      <a:pPr>
+                        <a:buNone/>
+                      </a:pPr>
+                      <a:r>
+                        <a:rPr lang="en-US" sz="2400">
+                          <a:latin typeface="Open Sans" pitchFamily="2" charset="0"/>
+                          <a:ea typeface="Open Sans" pitchFamily="2" charset="0"/>
+                          <a:cs typeface="Open Sans" pitchFamily="2" charset="0"/>
+                        </a:rPr>
+                        <a:t>❌ No</a:t>
+                      </a:r>
+                    </a:p>
+                  </a:txBody>
+                  <a:tcPr anchor="ctr"/>
+                </a:tc>
+                <a:tc>
+                  <a:txBody>
+                    <a:bodyPr/>
+                    <a:lstStyle/>
+                    <a:p>
+                      <a:pPr>
+                        <a:buNone/>
+                      </a:pPr>
+                      <a:r>
+                        <a:rPr lang="en-US" sz="2400">
+                          <a:latin typeface="Open Sans" pitchFamily="2" charset="0"/>
+                          <a:ea typeface="Open Sans" pitchFamily="2" charset="0"/>
+                          <a:cs typeface="Open Sans" pitchFamily="2" charset="0"/>
+                        </a:rPr>
+                        <a:t>4</a:t>
+                      </a:r>
+                    </a:p>
+                  </a:txBody>
+                  <a:tcPr anchor="ctr"/>
+                </a:tc>
+                <a:tc>
+                  <a:txBody>
+                    <a:bodyPr/>
+                    <a:lstStyle/>
+                    <a:p>
+                      <a:pPr>
+                        <a:buNone/>
+                      </a:pPr>
+                      <a:r>
+                        <a:rPr lang="en-US" sz="2400">
+                          <a:latin typeface="Open Sans" pitchFamily="2" charset="0"/>
+                          <a:ea typeface="Open Sans" pitchFamily="2" charset="0"/>
+                          <a:cs typeface="Open Sans" pitchFamily="2" charset="0"/>
+                        </a:rPr>
+                        <a:t>❌ No</a:t>
+                      </a:r>
+                    </a:p>
+                  </a:txBody>
+                  <a:tcPr anchor="ctr"/>
+                </a:tc>
+                <a:extLst>
+                  <a:ext uri="{0D108BD9-81ED-4DB2-BD59-A6C34878D82A}">
+                    <a16:rowId xmlns:a16="http://schemas.microsoft.com/office/drawing/2014/main" val="2508919402"/>
+                  </a:ext>
+                </a:extLst>
+              </a:tr>
+              <a:tr h="370840">
+                <a:tc>
+                  <a:txBody>
+                    <a:bodyPr/>
+                    <a:lstStyle/>
+                    <a:p>
+                      <a:pPr>
+                        <a:buNone/>
+                      </a:pPr>
+                      <a:r>
+                        <a:rPr lang="en-US" sz="2400" dirty="0">
+                          <a:latin typeface="Open Sans" pitchFamily="2" charset="0"/>
+                          <a:ea typeface="Open Sans" pitchFamily="2" charset="0"/>
+                          <a:cs typeface="Open Sans" pitchFamily="2" charset="0"/>
+                        </a:rPr>
+                        <a:t>Binary Encoding</a:t>
+                      </a:r>
+                    </a:p>
+                  </a:txBody>
+                  <a:tcPr anchor="ctr"/>
+                </a:tc>
+                <a:tc>
+                  <a:txBody>
+                    <a:bodyPr/>
+                    <a:lstStyle/>
+                    <a:p>
+                      <a:pPr>
+                        <a:buNone/>
+                      </a:pPr>
+                      <a:r>
+                        <a:rPr lang="en-US" sz="2400">
+                          <a:latin typeface="Open Sans" pitchFamily="2" charset="0"/>
+                          <a:ea typeface="Open Sans" pitchFamily="2" charset="0"/>
+                          <a:cs typeface="Open Sans" pitchFamily="2" charset="0"/>
+                        </a:rPr>
+                        <a:t>✅ Yes</a:t>
+                      </a:r>
+                    </a:p>
+                  </a:txBody>
+                  <a:tcPr anchor="ctr"/>
+                </a:tc>
+                <a:tc>
+                  <a:txBody>
+                    <a:bodyPr/>
+                    <a:lstStyle/>
+                    <a:p>
+                      <a:pPr>
+                        <a:buNone/>
+                      </a:pPr>
+                      <a:r>
+                        <a:rPr lang="en-US" sz="2400">
+                          <a:latin typeface="Open Sans" pitchFamily="2" charset="0"/>
+                          <a:ea typeface="Open Sans" pitchFamily="2" charset="0"/>
+                          <a:cs typeface="Open Sans" pitchFamily="2" charset="0"/>
+                        </a:rPr>
+                        <a:t>❌ No</a:t>
+                      </a:r>
+                    </a:p>
+                  </a:txBody>
+                  <a:tcPr anchor="ctr"/>
+                </a:tc>
+                <a:tc>
+                  <a:txBody>
+                    <a:bodyPr/>
+                    <a:lstStyle/>
+                    <a:p>
+                      <a:pPr>
+                        <a:buNone/>
+                      </a:pPr>
+                      <a:r>
+                        <a:rPr lang="en-US" sz="2400">
+                          <a:latin typeface="Open Sans" pitchFamily="2" charset="0"/>
+                          <a:ea typeface="Open Sans" pitchFamily="2" charset="0"/>
+                          <a:cs typeface="Open Sans" pitchFamily="2" charset="0"/>
+                        </a:rPr>
+                        <a:t>3</a:t>
+                      </a:r>
+                    </a:p>
+                  </a:txBody>
+                  <a:tcPr anchor="ctr"/>
+                </a:tc>
+                <a:tc>
+                  <a:txBody>
+                    <a:bodyPr/>
+                    <a:lstStyle/>
+                    <a:p>
+                      <a:pPr>
+                        <a:buNone/>
+                      </a:pPr>
+                      <a:r>
+                        <a:rPr lang="en-US" sz="2400" dirty="0">
+                          <a:latin typeface="Open Sans" pitchFamily="2" charset="0"/>
+                          <a:ea typeface="Open Sans" pitchFamily="2" charset="0"/>
+                          <a:cs typeface="Open Sans" pitchFamily="2" charset="0"/>
+                        </a:rPr>
+                        <a:t>✅✅ Yes</a:t>
+                      </a:r>
+                    </a:p>
+                  </a:txBody>
+                  <a:tcPr anchor="ctr"/>
+                </a:tc>
+                <a:extLst>
+                  <a:ext uri="{0D108BD9-81ED-4DB2-BD59-A6C34878D82A}">
+                    <a16:rowId xmlns:a16="http://schemas.microsoft.com/office/drawing/2014/main" val="714487222"/>
+                  </a:ext>
+                </a:extLst>
+              </a:tr>
+            </a:tbl>
+          </a:graphicData>
+        </a:graphic>
+      </p:graphicFrame>
     </p:spTree>
     <p:extLst>
       <p:ext uri="{BB962C8B-B14F-4D97-AF65-F5344CB8AC3E}">
-        <p14:creationId xmlns:p14="http://schemas.microsoft.com/office/powerpoint/2010/main" val="3194278634"/>
+        <p14:creationId xmlns:p14="http://schemas.microsoft.com/office/powerpoint/2010/main" val="3638305441"/>
       </p:ext>
     </p:extLst>
   </p:cSld>
@@ -4281,7 +5852,7 @@
         <p:cNvPr id="1" name="">
           <a:extLst>
             <a:ext uri="{FF2B5EF4-FFF2-40B4-BE49-F238E27FC236}">
-              <a16:creationId xmlns:a16="http://schemas.microsoft.com/office/drawing/2014/main" id="{2959A719-3930-0EE1-789D-90E47F44F06A}"/>
+              <a16:creationId xmlns:a16="http://schemas.microsoft.com/office/drawing/2014/main" id="{AB0AC64C-239F-5080-4E2B-93690D0B4D8E}"/>
             </a:ext>
           </a:extLst>
         </p:cNvPr>
@@ -4301,7 +5872,7 @@
           <p:cNvPr id="2" name="Title 1">
             <a:extLst>
               <a:ext uri="{FF2B5EF4-FFF2-40B4-BE49-F238E27FC236}">
-                <a16:creationId xmlns:a16="http://schemas.microsoft.com/office/drawing/2014/main" id="{339FA1F6-DADF-302B-0697-9CF08F67080E}"/>
+                <a16:creationId xmlns:a16="http://schemas.microsoft.com/office/drawing/2014/main" id="{30760D1B-4CC4-E436-F21D-265995023B99}"/>
               </a:ext>
             </a:extLst>
           </p:cNvPr>
@@ -4325,12 +5896,6 @@
           <a:lstStyle/>
           <a:p>
             <a:pPr algn="ctr"/>
-            <a:r>
-              <a:rPr lang="en-US" sz="3600" dirty="0">
-                <a:latin typeface="Bebas Neue" panose="020B0606020202050201" pitchFamily="34" charset="0"/>
-              </a:rPr>
-              <a:t>Binary encoding</a:t>
-            </a:r>
             <a:endParaRPr lang="en-US" sz="3600" dirty="0"/>
           </a:p>
         </p:txBody>
@@ -4340,7 +5905,7 @@
           <p:cNvPr id="3" name="Content Placeholder 2">
             <a:extLst>
               <a:ext uri="{FF2B5EF4-FFF2-40B4-BE49-F238E27FC236}">
-                <a16:creationId xmlns:a16="http://schemas.microsoft.com/office/drawing/2014/main" id="{92E7BABB-6A50-CC6E-B4F8-9CFA08DBBC76}"/>
+                <a16:creationId xmlns:a16="http://schemas.microsoft.com/office/drawing/2014/main" id="{1B658737-A1D4-416B-B301-D89402733D56}"/>
               </a:ext>
             </a:extLst>
           </p:cNvPr>
@@ -4363,375 +5928,21 @@
           </a:bodyPr>
           <a:lstStyle/>
           <a:p>
-            <a:pPr marL="0" indent="0" algn="just">
+            <a:pPr marL="0" indent="0">
               <a:buNone/>
             </a:pPr>
-            <a:r>
-              <a:rPr lang="en-US" sz="2400" dirty="0">
-                <a:latin typeface="Open Sans" pitchFamily="2" charset="0"/>
-                <a:ea typeface="Open Sans" pitchFamily="2" charset="0"/>
-                <a:cs typeface="Open Sans" pitchFamily="2" charset="0"/>
-              </a:rPr>
-              <a:t>H</a:t>
-            </a:r>
+            <a:endParaRPr lang="en-US" sz="2200" dirty="0">
+              <a:latin typeface="Open Sans" pitchFamily="2" charset="0"/>
+              <a:ea typeface="Open Sans" pitchFamily="2" charset="0"/>
+              <a:cs typeface="Open Sans" pitchFamily="2" charset="0"/>
+            </a:endParaRPr>
           </a:p>
         </p:txBody>
       </p:sp>
     </p:spTree>
     <p:extLst>
       <p:ext uri="{BB962C8B-B14F-4D97-AF65-F5344CB8AC3E}">
-        <p14:creationId xmlns:p14="http://schemas.microsoft.com/office/powerpoint/2010/main" val="3925376630"/>
-      </p:ext>
-    </p:extLst>
-  </p:cSld>
-  <p:clrMapOvr>
-    <a:masterClrMapping/>
-  </p:clrMapOvr>
-</p:sld>
-</file>
-
-<file path=ppt/slides/slide7.xml><?xml version="1.0" encoding="utf-8"?>
-<p:sld xmlns:a="http://schemas.openxmlformats.org/drawingml/2006/main" xmlns:r="http://schemas.openxmlformats.org/officeDocument/2006/relationships" xmlns:p="http://schemas.openxmlformats.org/presentationml/2006/main">
-  <p:cSld>
-    <p:spTree>
-      <p:nvGrpSpPr>
-        <p:cNvPr id="1" name="">
-          <a:extLst>
-            <a:ext uri="{FF2B5EF4-FFF2-40B4-BE49-F238E27FC236}">
-              <a16:creationId xmlns:a16="http://schemas.microsoft.com/office/drawing/2014/main" id="{291204F3-3607-5904-231C-E41F5457873C}"/>
-            </a:ext>
-          </a:extLst>
-        </p:cNvPr>
-        <p:cNvGrpSpPr/>
-        <p:nvPr/>
-      </p:nvGrpSpPr>
-      <p:grpSpPr>
-        <a:xfrm>
-          <a:off x="0" y="0"/>
-          <a:ext cx="0" cy="0"/>
-          <a:chOff x="0" y="0"/>
-          <a:chExt cx="0" cy="0"/>
-        </a:xfrm>
-      </p:grpSpPr>
-      <p:sp>
-        <p:nvSpPr>
-          <p:cNvPr id="2" name="Title 1">
-            <a:extLst>
-              <a:ext uri="{FF2B5EF4-FFF2-40B4-BE49-F238E27FC236}">
-                <a16:creationId xmlns:a16="http://schemas.microsoft.com/office/drawing/2014/main" id="{8EC347FF-396B-2E19-872C-EF411BFE97A1}"/>
-              </a:ext>
-            </a:extLst>
-          </p:cNvPr>
-          <p:cNvSpPr>
-            <a:spLocks noGrp="1"/>
-          </p:cNvSpPr>
-          <p:nvPr>
-            <p:ph type="title"/>
-          </p:nvPr>
-        </p:nvSpPr>
-        <p:spPr>
-          <a:xfrm>
-            <a:off x="838200" y="365125"/>
-            <a:ext cx="10515600" cy="640080"/>
-          </a:xfrm>
-        </p:spPr>
-        <p:txBody>
-          <a:bodyPr>
-            <a:normAutofit/>
-          </a:bodyPr>
-          <a:lstStyle/>
-          <a:p>
-            <a:pPr algn="ctr"/>
-            <a:r>
-              <a:rPr lang="en-US" sz="3600" dirty="0">
-                <a:latin typeface="Bebas Neue" panose="020B0606020202050201" pitchFamily="34" charset="0"/>
-              </a:rPr>
-              <a:t>Binary encoding</a:t>
-            </a:r>
-            <a:endParaRPr lang="en-US" sz="3600" dirty="0"/>
-          </a:p>
-        </p:txBody>
-      </p:sp>
-      <p:sp>
-        <p:nvSpPr>
-          <p:cNvPr id="3" name="Content Placeholder 2">
-            <a:extLst>
-              <a:ext uri="{FF2B5EF4-FFF2-40B4-BE49-F238E27FC236}">
-                <a16:creationId xmlns:a16="http://schemas.microsoft.com/office/drawing/2014/main" id="{C68466BA-1634-79C5-C863-80A297336B90}"/>
-              </a:ext>
-            </a:extLst>
-          </p:cNvPr>
-          <p:cNvSpPr>
-            <a:spLocks noGrp="1"/>
-          </p:cNvSpPr>
-          <p:nvPr>
-            <p:ph idx="1"/>
-          </p:nvPr>
-        </p:nvSpPr>
-        <p:spPr>
-          <a:xfrm>
-            <a:off x="838200" y="1091381"/>
-            <a:ext cx="10515600" cy="5085582"/>
-          </a:xfrm>
-        </p:spPr>
-        <p:txBody>
-          <a:bodyPr>
-            <a:normAutofit/>
-          </a:bodyPr>
-          <a:lstStyle/>
-          <a:p>
-            <a:pPr marL="0" indent="0" algn="just">
-              <a:buNone/>
-            </a:pPr>
-            <a:r>
-              <a:rPr lang="en-US" sz="2400" dirty="0">
-                <a:latin typeface="Open Sans" pitchFamily="2" charset="0"/>
-                <a:ea typeface="Open Sans" pitchFamily="2" charset="0"/>
-                <a:cs typeface="Open Sans" pitchFamily="2" charset="0"/>
-              </a:rPr>
-              <a:t>H</a:t>
-            </a:r>
-          </a:p>
-        </p:txBody>
-      </p:sp>
-    </p:spTree>
-    <p:extLst>
-      <p:ext uri="{BB962C8B-B14F-4D97-AF65-F5344CB8AC3E}">
-        <p14:creationId xmlns:p14="http://schemas.microsoft.com/office/powerpoint/2010/main" val="2140278431"/>
-      </p:ext>
-    </p:extLst>
-  </p:cSld>
-  <p:clrMapOvr>
-    <a:masterClrMapping/>
-  </p:clrMapOvr>
-</p:sld>
-</file>
-
-<file path=ppt/slides/slide8.xml><?xml version="1.0" encoding="utf-8"?>
-<p:sld xmlns:a="http://schemas.openxmlformats.org/drawingml/2006/main" xmlns:r="http://schemas.openxmlformats.org/officeDocument/2006/relationships" xmlns:p="http://schemas.openxmlformats.org/presentationml/2006/main">
-  <p:cSld>
-    <p:spTree>
-      <p:nvGrpSpPr>
-        <p:cNvPr id="1" name="">
-          <a:extLst>
-            <a:ext uri="{FF2B5EF4-FFF2-40B4-BE49-F238E27FC236}">
-              <a16:creationId xmlns:a16="http://schemas.microsoft.com/office/drawing/2014/main" id="{4BF5FA69-9D32-A026-71B5-695513F8E444}"/>
-            </a:ext>
-          </a:extLst>
-        </p:cNvPr>
-        <p:cNvGrpSpPr/>
-        <p:nvPr/>
-      </p:nvGrpSpPr>
-      <p:grpSpPr>
-        <a:xfrm>
-          <a:off x="0" y="0"/>
-          <a:ext cx="0" cy="0"/>
-          <a:chOff x="0" y="0"/>
-          <a:chExt cx="0" cy="0"/>
-        </a:xfrm>
-      </p:grpSpPr>
-      <p:sp>
-        <p:nvSpPr>
-          <p:cNvPr id="2" name="Title 1">
-            <a:extLst>
-              <a:ext uri="{FF2B5EF4-FFF2-40B4-BE49-F238E27FC236}">
-                <a16:creationId xmlns:a16="http://schemas.microsoft.com/office/drawing/2014/main" id="{A2475525-F534-AAB0-9D7C-084533A6BD42}"/>
-              </a:ext>
-            </a:extLst>
-          </p:cNvPr>
-          <p:cNvSpPr>
-            <a:spLocks noGrp="1"/>
-          </p:cNvSpPr>
-          <p:nvPr>
-            <p:ph type="title"/>
-          </p:nvPr>
-        </p:nvSpPr>
-        <p:spPr>
-          <a:xfrm>
-            <a:off x="838200" y="365125"/>
-            <a:ext cx="10515600" cy="640080"/>
-          </a:xfrm>
-        </p:spPr>
-        <p:txBody>
-          <a:bodyPr>
-            <a:normAutofit/>
-          </a:bodyPr>
-          <a:lstStyle/>
-          <a:p>
-            <a:pPr algn="ctr"/>
-            <a:r>
-              <a:rPr lang="en-US" sz="3600" dirty="0">
-                <a:latin typeface="Bebas Neue" panose="020B0606020202050201" pitchFamily="34" charset="0"/>
-              </a:rPr>
-              <a:t>Binary encoding</a:t>
-            </a:r>
-            <a:endParaRPr lang="en-US" sz="3600" dirty="0"/>
-          </a:p>
-        </p:txBody>
-      </p:sp>
-      <p:sp>
-        <p:nvSpPr>
-          <p:cNvPr id="3" name="Content Placeholder 2">
-            <a:extLst>
-              <a:ext uri="{FF2B5EF4-FFF2-40B4-BE49-F238E27FC236}">
-                <a16:creationId xmlns:a16="http://schemas.microsoft.com/office/drawing/2014/main" id="{418E1C71-DC01-C222-9FD1-ACA29744130E}"/>
-              </a:ext>
-            </a:extLst>
-          </p:cNvPr>
-          <p:cNvSpPr>
-            <a:spLocks noGrp="1"/>
-          </p:cNvSpPr>
-          <p:nvPr>
-            <p:ph idx="1"/>
-          </p:nvPr>
-        </p:nvSpPr>
-        <p:spPr>
-          <a:xfrm>
-            <a:off x="838200" y="1091381"/>
-            <a:ext cx="10515600" cy="5085582"/>
-          </a:xfrm>
-        </p:spPr>
-        <p:txBody>
-          <a:bodyPr>
-            <a:normAutofit/>
-          </a:bodyPr>
-          <a:lstStyle/>
-          <a:p>
-            <a:pPr marL="0" indent="0" algn="just">
-              <a:buNone/>
-            </a:pPr>
-            <a:r>
-              <a:rPr lang="en-US" sz="2400" dirty="0">
-                <a:latin typeface="Open Sans" pitchFamily="2" charset="0"/>
-                <a:ea typeface="Open Sans" pitchFamily="2" charset="0"/>
-                <a:cs typeface="Open Sans" pitchFamily="2" charset="0"/>
-              </a:rPr>
-              <a:t>H</a:t>
-            </a:r>
-          </a:p>
-        </p:txBody>
-      </p:sp>
-    </p:spTree>
-    <p:extLst>
-      <p:ext uri="{BB962C8B-B14F-4D97-AF65-F5344CB8AC3E}">
-        <p14:creationId xmlns:p14="http://schemas.microsoft.com/office/powerpoint/2010/main" val="675924243"/>
-      </p:ext>
-    </p:extLst>
-  </p:cSld>
-  <p:clrMapOvr>
-    <a:masterClrMapping/>
-  </p:clrMapOvr>
-</p:sld>
-</file>
-
-<file path=ppt/slides/slide9.xml><?xml version="1.0" encoding="utf-8"?>
-<p:sld xmlns:a="http://schemas.openxmlformats.org/drawingml/2006/main" xmlns:r="http://schemas.openxmlformats.org/officeDocument/2006/relationships" xmlns:p="http://schemas.openxmlformats.org/presentationml/2006/main">
-  <p:cSld>
-    <p:spTree>
-      <p:nvGrpSpPr>
-        <p:cNvPr id="1" name="">
-          <a:extLst>
-            <a:ext uri="{FF2B5EF4-FFF2-40B4-BE49-F238E27FC236}">
-              <a16:creationId xmlns:a16="http://schemas.microsoft.com/office/drawing/2014/main" id="{FEA6046A-837C-C251-E8E4-FAF45E740813}"/>
-            </a:ext>
-          </a:extLst>
-        </p:cNvPr>
-        <p:cNvGrpSpPr/>
-        <p:nvPr/>
-      </p:nvGrpSpPr>
-      <p:grpSpPr>
-        <a:xfrm>
-          <a:off x="0" y="0"/>
-          <a:ext cx="0" cy="0"/>
-          <a:chOff x="0" y="0"/>
-          <a:chExt cx="0" cy="0"/>
-        </a:xfrm>
-      </p:grpSpPr>
-      <p:sp>
-        <p:nvSpPr>
-          <p:cNvPr id="2" name="Title 1">
-            <a:extLst>
-              <a:ext uri="{FF2B5EF4-FFF2-40B4-BE49-F238E27FC236}">
-                <a16:creationId xmlns:a16="http://schemas.microsoft.com/office/drawing/2014/main" id="{52102E04-82B1-27B5-FCA9-54A2A305FF63}"/>
-              </a:ext>
-            </a:extLst>
-          </p:cNvPr>
-          <p:cNvSpPr>
-            <a:spLocks noGrp="1"/>
-          </p:cNvSpPr>
-          <p:nvPr>
-            <p:ph type="title"/>
-          </p:nvPr>
-        </p:nvSpPr>
-        <p:spPr>
-          <a:xfrm>
-            <a:off x="838200" y="365125"/>
-            <a:ext cx="10515600" cy="640080"/>
-          </a:xfrm>
-        </p:spPr>
-        <p:txBody>
-          <a:bodyPr>
-            <a:normAutofit/>
-          </a:bodyPr>
-          <a:lstStyle/>
-          <a:p>
-            <a:pPr algn="ctr"/>
-            <a:r>
-              <a:rPr lang="en-US" sz="3600" dirty="0">
-                <a:latin typeface="Bebas Neue" panose="020B0606020202050201" pitchFamily="34" charset="0"/>
-              </a:rPr>
-              <a:t>Binary encoding</a:t>
-            </a:r>
-            <a:endParaRPr lang="en-US" sz="3600" dirty="0"/>
-          </a:p>
-        </p:txBody>
-      </p:sp>
-      <p:sp>
-        <p:nvSpPr>
-          <p:cNvPr id="3" name="Content Placeholder 2">
-            <a:extLst>
-              <a:ext uri="{FF2B5EF4-FFF2-40B4-BE49-F238E27FC236}">
-                <a16:creationId xmlns:a16="http://schemas.microsoft.com/office/drawing/2014/main" id="{5958A646-9C93-46A2-875D-10608585F4E6}"/>
-              </a:ext>
-            </a:extLst>
-          </p:cNvPr>
-          <p:cNvSpPr>
-            <a:spLocks noGrp="1"/>
-          </p:cNvSpPr>
-          <p:nvPr>
-            <p:ph idx="1"/>
-          </p:nvPr>
-        </p:nvSpPr>
-        <p:spPr>
-          <a:xfrm>
-            <a:off x="838200" y="1091381"/>
-            <a:ext cx="10515600" cy="5085582"/>
-          </a:xfrm>
-        </p:spPr>
-        <p:txBody>
-          <a:bodyPr>
-            <a:normAutofit/>
-          </a:bodyPr>
-          <a:lstStyle/>
-          <a:p>
-            <a:pPr marL="0" indent="0" algn="just">
-              <a:buNone/>
-            </a:pPr>
-            <a:r>
-              <a:rPr lang="en-US" sz="2400" dirty="0">
-                <a:latin typeface="Open Sans" pitchFamily="2" charset="0"/>
-                <a:ea typeface="Open Sans" pitchFamily="2" charset="0"/>
-                <a:cs typeface="Open Sans" pitchFamily="2" charset="0"/>
-              </a:rPr>
-              <a:t>H</a:t>
-            </a:r>
-          </a:p>
-        </p:txBody>
-      </p:sp>
-    </p:spTree>
-    <p:extLst>
-      <p:ext uri="{BB962C8B-B14F-4D97-AF65-F5344CB8AC3E}">
-        <p14:creationId xmlns:p14="http://schemas.microsoft.com/office/powerpoint/2010/main" val="959255964"/>
+        <p14:creationId xmlns:p14="http://schemas.microsoft.com/office/powerpoint/2010/main" val="210184614"/>
       </p:ext>
     </p:extLst>
   </p:cSld>

--- a/My Note and Practice/Text to Numerical Data Conversion/Categorical(Text to Numeric) data conversion-CTtN/Nominal Data/CTNtN2. Binary Encoding/Binary Encoding.pptx
+++ b/My Note and Practice/Text to Numerical Data Conversion/Categorical(Text to Numeric) data conversion-CTtN/Nominal Data/CTNtN2. Binary Encoding/Binary Encoding.pptx
@@ -10,7 +10,6 @@
     <p:sldId id="321" r:id="rId4"/>
     <p:sldId id="311" r:id="rId5"/>
     <p:sldId id="320" r:id="rId6"/>
-    <p:sldId id="322" r:id="rId7"/>
   </p:sldIdLst>
   <p:sldSz cx="12192000" cy="6858000"/>
   <p:notesSz cx="6858000" cy="9144000"/>
@@ -264,7 +263,7 @@
           <a:p>
             <a:fld id="{BC408777-D8E4-48B9-88F2-93B50ADA839C}" type="datetimeFigureOut">
               <a:rPr lang="en-US" smtClean="0"/>
-              <a:t>11/8/2025</a:t>
+              <a:t>11/17/2025</a:t>
             </a:fld>
             <a:endParaRPr lang="en-US"/>
           </a:p>
@@ -462,7 +461,7 @@
           <a:p>
             <a:fld id="{BC408777-D8E4-48B9-88F2-93B50ADA839C}" type="datetimeFigureOut">
               <a:rPr lang="en-US" smtClean="0"/>
-              <a:t>11/8/2025</a:t>
+              <a:t>11/17/2025</a:t>
             </a:fld>
             <a:endParaRPr lang="en-US"/>
           </a:p>
@@ -670,7 +669,7 @@
           <a:p>
             <a:fld id="{BC408777-D8E4-48B9-88F2-93B50ADA839C}" type="datetimeFigureOut">
               <a:rPr lang="en-US" smtClean="0"/>
-              <a:t>11/8/2025</a:t>
+              <a:t>11/17/2025</a:t>
             </a:fld>
             <a:endParaRPr lang="en-US"/>
           </a:p>
@@ -868,7 +867,7 @@
           <a:p>
             <a:fld id="{BC408777-D8E4-48B9-88F2-93B50ADA839C}" type="datetimeFigureOut">
               <a:rPr lang="en-US" smtClean="0"/>
-              <a:t>11/8/2025</a:t>
+              <a:t>11/17/2025</a:t>
             </a:fld>
             <a:endParaRPr lang="en-US"/>
           </a:p>
@@ -1143,7 +1142,7 @@
           <a:p>
             <a:fld id="{BC408777-D8E4-48B9-88F2-93B50ADA839C}" type="datetimeFigureOut">
               <a:rPr lang="en-US" smtClean="0"/>
-              <a:t>11/8/2025</a:t>
+              <a:t>11/17/2025</a:t>
             </a:fld>
             <a:endParaRPr lang="en-US"/>
           </a:p>
@@ -1408,7 +1407,7 @@
           <a:p>
             <a:fld id="{BC408777-D8E4-48B9-88F2-93B50ADA839C}" type="datetimeFigureOut">
               <a:rPr lang="en-US" smtClean="0"/>
-              <a:t>11/8/2025</a:t>
+              <a:t>11/17/2025</a:t>
             </a:fld>
             <a:endParaRPr lang="en-US"/>
           </a:p>
@@ -1820,7 +1819,7 @@
           <a:p>
             <a:fld id="{BC408777-D8E4-48B9-88F2-93B50ADA839C}" type="datetimeFigureOut">
               <a:rPr lang="en-US" smtClean="0"/>
-              <a:t>11/8/2025</a:t>
+              <a:t>11/17/2025</a:t>
             </a:fld>
             <a:endParaRPr lang="en-US"/>
           </a:p>
@@ -1961,7 +1960,7 @@
           <a:p>
             <a:fld id="{BC408777-D8E4-48B9-88F2-93B50ADA839C}" type="datetimeFigureOut">
               <a:rPr lang="en-US" smtClean="0"/>
-              <a:t>11/8/2025</a:t>
+              <a:t>11/17/2025</a:t>
             </a:fld>
             <a:endParaRPr lang="en-US"/>
           </a:p>
@@ -2074,7 +2073,7 @@
           <a:p>
             <a:fld id="{BC408777-D8E4-48B9-88F2-93B50ADA839C}" type="datetimeFigureOut">
               <a:rPr lang="en-US" smtClean="0"/>
-              <a:t>11/8/2025</a:t>
+              <a:t>11/17/2025</a:t>
             </a:fld>
             <a:endParaRPr lang="en-US"/>
           </a:p>
@@ -2385,7 +2384,7 @@
           <a:p>
             <a:fld id="{BC408777-D8E4-48B9-88F2-93B50ADA839C}" type="datetimeFigureOut">
               <a:rPr lang="en-US" smtClean="0"/>
-              <a:t>11/8/2025</a:t>
+              <a:t>11/17/2025</a:t>
             </a:fld>
             <a:endParaRPr lang="en-US"/>
           </a:p>
@@ -2673,7 +2672,7 @@
           <a:p>
             <a:fld id="{BC408777-D8E4-48B9-88F2-93B50ADA839C}" type="datetimeFigureOut">
               <a:rPr lang="en-US" smtClean="0"/>
-              <a:t>11/8/2025</a:t>
+              <a:t>11/17/2025</a:t>
             </a:fld>
             <a:endParaRPr lang="en-US"/>
           </a:p>
@@ -2914,7 +2913,7 @@
           <a:p>
             <a:fld id="{BC408777-D8E4-48B9-88F2-93B50ADA839C}" type="datetimeFigureOut">
               <a:rPr lang="en-US" smtClean="0"/>
-              <a:t>11/8/2025</a:t>
+              <a:t>11/17/2025</a:t>
             </a:fld>
             <a:endParaRPr lang="en-US"/>
           </a:p>
@@ -5844,114 +5843,6 @@
 </p:sld>
 </file>
 
-<file path=ppt/slides/slide6.xml><?xml version="1.0" encoding="utf-8"?>
-<p:sld xmlns:a="http://schemas.openxmlformats.org/drawingml/2006/main" xmlns:r="http://schemas.openxmlformats.org/officeDocument/2006/relationships" xmlns:p="http://schemas.openxmlformats.org/presentationml/2006/main">
-  <p:cSld>
-    <p:spTree>
-      <p:nvGrpSpPr>
-        <p:cNvPr id="1" name="">
-          <a:extLst>
-            <a:ext uri="{FF2B5EF4-FFF2-40B4-BE49-F238E27FC236}">
-              <a16:creationId xmlns:a16="http://schemas.microsoft.com/office/drawing/2014/main" id="{AB0AC64C-239F-5080-4E2B-93690D0B4D8E}"/>
-            </a:ext>
-          </a:extLst>
-        </p:cNvPr>
-        <p:cNvGrpSpPr/>
-        <p:nvPr/>
-      </p:nvGrpSpPr>
-      <p:grpSpPr>
-        <a:xfrm>
-          <a:off x="0" y="0"/>
-          <a:ext cx="0" cy="0"/>
-          <a:chOff x="0" y="0"/>
-          <a:chExt cx="0" cy="0"/>
-        </a:xfrm>
-      </p:grpSpPr>
-      <p:sp>
-        <p:nvSpPr>
-          <p:cNvPr id="2" name="Title 1">
-            <a:extLst>
-              <a:ext uri="{FF2B5EF4-FFF2-40B4-BE49-F238E27FC236}">
-                <a16:creationId xmlns:a16="http://schemas.microsoft.com/office/drawing/2014/main" id="{30760D1B-4CC4-E436-F21D-265995023B99}"/>
-              </a:ext>
-            </a:extLst>
-          </p:cNvPr>
-          <p:cNvSpPr>
-            <a:spLocks noGrp="1"/>
-          </p:cNvSpPr>
-          <p:nvPr>
-            <p:ph type="title"/>
-          </p:nvPr>
-        </p:nvSpPr>
-        <p:spPr>
-          <a:xfrm>
-            <a:off x="838200" y="365125"/>
-            <a:ext cx="10515600" cy="640080"/>
-          </a:xfrm>
-        </p:spPr>
-        <p:txBody>
-          <a:bodyPr>
-            <a:normAutofit/>
-          </a:bodyPr>
-          <a:lstStyle/>
-          <a:p>
-            <a:pPr algn="ctr"/>
-            <a:endParaRPr lang="en-US" sz="3600" dirty="0"/>
-          </a:p>
-        </p:txBody>
-      </p:sp>
-      <p:sp>
-        <p:nvSpPr>
-          <p:cNvPr id="3" name="Content Placeholder 2">
-            <a:extLst>
-              <a:ext uri="{FF2B5EF4-FFF2-40B4-BE49-F238E27FC236}">
-                <a16:creationId xmlns:a16="http://schemas.microsoft.com/office/drawing/2014/main" id="{1B658737-A1D4-416B-B301-D89402733D56}"/>
-              </a:ext>
-            </a:extLst>
-          </p:cNvPr>
-          <p:cNvSpPr>
-            <a:spLocks noGrp="1"/>
-          </p:cNvSpPr>
-          <p:nvPr>
-            <p:ph idx="1"/>
-          </p:nvPr>
-        </p:nvSpPr>
-        <p:spPr>
-          <a:xfrm>
-            <a:off x="838200" y="1091381"/>
-            <a:ext cx="10515600" cy="5085582"/>
-          </a:xfrm>
-        </p:spPr>
-        <p:txBody>
-          <a:bodyPr>
-            <a:normAutofit/>
-          </a:bodyPr>
-          <a:lstStyle/>
-          <a:p>
-            <a:pPr marL="0" indent="0">
-              <a:buNone/>
-            </a:pPr>
-            <a:endParaRPr lang="en-US" sz="2200" dirty="0">
-              <a:latin typeface="Open Sans" pitchFamily="2" charset="0"/>
-              <a:ea typeface="Open Sans" pitchFamily="2" charset="0"/>
-              <a:cs typeface="Open Sans" pitchFamily="2" charset="0"/>
-            </a:endParaRPr>
-          </a:p>
-        </p:txBody>
-      </p:sp>
-    </p:spTree>
-    <p:extLst>
-      <p:ext uri="{BB962C8B-B14F-4D97-AF65-F5344CB8AC3E}">
-        <p14:creationId xmlns:p14="http://schemas.microsoft.com/office/powerpoint/2010/main" val="210184614"/>
-      </p:ext>
-    </p:extLst>
-  </p:cSld>
-  <p:clrMapOvr>
-    <a:masterClrMapping/>
-  </p:clrMapOvr>
-</p:sld>
-</file>
-
 <file path=ppt/theme/theme1.xml><?xml version="1.0" encoding="utf-8"?>
 <a:theme xmlns:a="http://schemas.openxmlformats.org/drawingml/2006/main" name="Office Theme">
   <a:themeElements>
